--- a/presentations/2018-09-09_presentation.pptx
+++ b/presentations/2018-09-09_presentation.pptx
@@ -5,7 +5,7 @@
     <p:sldMasterId id="2147483648" r:id="rId1"/>
   </p:sldMasterIdLst>
   <p:notesMasterIdLst>
-    <p:notesMasterId r:id="rId39"/>
+    <p:notesMasterId r:id="rId40"/>
   </p:notesMasterIdLst>
   <p:sldIdLst>
     <p:sldId id="256" r:id="rId2"/>
@@ -35,16 +35,17 @@
     <p:sldId id="277" r:id="rId26"/>
     <p:sldId id="300" r:id="rId27"/>
     <p:sldId id="279" r:id="rId28"/>
-    <p:sldId id="281" r:id="rId29"/>
-    <p:sldId id="280" r:id="rId30"/>
-    <p:sldId id="289" r:id="rId31"/>
-    <p:sldId id="283" r:id="rId32"/>
-    <p:sldId id="284" r:id="rId33"/>
-    <p:sldId id="285" r:id="rId34"/>
-    <p:sldId id="290" r:id="rId35"/>
-    <p:sldId id="291" r:id="rId36"/>
-    <p:sldId id="292" r:id="rId37"/>
-    <p:sldId id="293" r:id="rId38"/>
+    <p:sldId id="301" r:id="rId29"/>
+    <p:sldId id="281" r:id="rId30"/>
+    <p:sldId id="280" r:id="rId31"/>
+    <p:sldId id="289" r:id="rId32"/>
+    <p:sldId id="283" r:id="rId33"/>
+    <p:sldId id="284" r:id="rId34"/>
+    <p:sldId id="285" r:id="rId35"/>
+    <p:sldId id="290" r:id="rId36"/>
+    <p:sldId id="291" r:id="rId37"/>
+    <p:sldId id="292" r:id="rId38"/>
+    <p:sldId id="293" r:id="rId39"/>
   </p:sldIdLst>
   <p:sldSz cx="9144000" cy="6858000" type="screen4x3"/>
   <p:notesSz cx="6858000" cy="9144000"/>
@@ -187,6 +188,7 @@
             <p14:sldId id="277"/>
             <p14:sldId id="300"/>
             <p14:sldId id="279"/>
+            <p14:sldId id="301"/>
             <p14:sldId id="281"/>
             <p14:sldId id="280"/>
           </p14:sldIdLst>
@@ -298,7 +300,7 @@
           <a:p>
             <a:fld id="{3DD0F677-E25A-4402-8D82-029E18EDC6E1}" type="datetimeFigureOut">
               <a:rPr lang="en-US" smtClean="0"/>
-              <a:t>9/9/2018</a:t>
+              <a:t>9/11/2018</a:t>
             </a:fld>
             <a:endParaRPr lang="en-US"/>
           </a:p>
@@ -2243,8 +2245,8 @@
           </a:p>
         </p:txBody>
       </p:sp>
-      <mc:AlternateContent xmlns:mc="http://schemas.openxmlformats.org/markup-compatibility/2006">
-        <mc:Choice xmlns:a14="http://schemas.microsoft.com/office/drawing/2010/main" Requires="a14">
+      <mc:AlternateContent xmlns:mc="http://schemas.openxmlformats.org/markup-compatibility/2006" xmlns:a14="http://schemas.microsoft.com/office/drawing/2010/main">
+        <mc:Choice Requires="a14">
           <p:graphicFrame>
             <p:nvGraphicFramePr>
               <p:cNvPr id="6" name="Content Placeholder 5"/>
@@ -2901,7 +2903,7 @@
             </a:graphic>
           </p:graphicFrame>
         </mc:Choice>
-        <mc:Fallback>
+        <mc:Fallback xmlns="">
           <p:graphicFrame>
             <p:nvGraphicFramePr>
               <p:cNvPr id="6" name="Content Placeholder 5"/>
@@ -11711,8 +11713,8 @@
           </a:p>
         </p:txBody>
       </p:sp>
-      <mc:AlternateContent xmlns:mc="http://schemas.openxmlformats.org/markup-compatibility/2006">
-        <mc:Choice xmlns:a14="http://schemas.microsoft.com/office/drawing/2010/main" Requires="a14">
+      <mc:AlternateContent xmlns:mc="http://schemas.openxmlformats.org/markup-compatibility/2006" xmlns:a14="http://schemas.microsoft.com/office/drawing/2010/main">
+        <mc:Choice Requires="a14">
           <p:sp>
             <p:nvSpPr>
               <p:cNvPr id="15" name="TextBox 14"/>
@@ -11773,7 +11775,7 @@
             </p:txBody>
           </p:sp>
         </mc:Choice>
-        <mc:Fallback>
+        <mc:Fallback xmlns="">
           <p:sp>
             <p:nvSpPr>
               <p:cNvPr id="15" name="TextBox 14"/>
@@ -11812,8 +11814,8 @@
           </p:sp>
         </mc:Fallback>
       </mc:AlternateContent>
-      <mc:AlternateContent xmlns:mc="http://schemas.openxmlformats.org/markup-compatibility/2006">
-        <mc:Choice xmlns:a14="http://schemas.microsoft.com/office/drawing/2010/main" Requires="a14">
+      <mc:AlternateContent xmlns:mc="http://schemas.openxmlformats.org/markup-compatibility/2006" xmlns:a14="http://schemas.microsoft.com/office/drawing/2010/main">
+        <mc:Choice Requires="a14">
           <p:sp>
             <p:nvSpPr>
               <p:cNvPr id="16" name="TextBox 15"/>
@@ -11888,7 +11890,7 @@
             </p:txBody>
           </p:sp>
         </mc:Choice>
-        <mc:Fallback>
+        <mc:Fallback xmlns="">
           <p:sp>
             <p:nvSpPr>
               <p:cNvPr id="16" name="TextBox 15"/>
@@ -11927,8 +11929,8 @@
           </p:sp>
         </mc:Fallback>
       </mc:AlternateContent>
-      <mc:AlternateContent xmlns:mc="http://schemas.openxmlformats.org/markup-compatibility/2006">
-        <mc:Choice xmlns:a14="http://schemas.microsoft.com/office/drawing/2010/main" Requires="a14">
+      <mc:AlternateContent xmlns:mc="http://schemas.openxmlformats.org/markup-compatibility/2006" xmlns:a14="http://schemas.microsoft.com/office/drawing/2010/main">
+        <mc:Choice Requires="a14">
           <p:sp>
             <p:nvSpPr>
               <p:cNvPr id="17" name="TextBox 16"/>
@@ -12003,7 +12005,7 @@
             </p:txBody>
           </p:sp>
         </mc:Choice>
-        <mc:Fallback>
+        <mc:Fallback xmlns="">
           <p:sp>
             <p:nvSpPr>
               <p:cNvPr id="17" name="TextBox 16"/>
@@ -12042,8 +12044,8 @@
           </p:sp>
         </mc:Fallback>
       </mc:AlternateContent>
-      <mc:AlternateContent xmlns:mc="http://schemas.openxmlformats.org/markup-compatibility/2006">
-        <mc:Choice xmlns:a14="http://schemas.microsoft.com/office/drawing/2010/main" Requires="a14">
+      <mc:AlternateContent xmlns:mc="http://schemas.openxmlformats.org/markup-compatibility/2006" xmlns:a14="http://schemas.microsoft.com/office/drawing/2010/main">
+        <mc:Choice Requires="a14">
           <p:sp>
             <p:nvSpPr>
               <p:cNvPr id="18" name="TextBox 17"/>
@@ -12118,7 +12120,7 @@
             </p:txBody>
           </p:sp>
         </mc:Choice>
-        <mc:Fallback>
+        <mc:Fallback xmlns="">
           <p:sp>
             <p:nvSpPr>
               <p:cNvPr id="18" name="TextBox 17"/>
@@ -12157,8 +12159,8 @@
           </p:sp>
         </mc:Fallback>
       </mc:AlternateContent>
-      <mc:AlternateContent xmlns:mc="http://schemas.openxmlformats.org/markup-compatibility/2006">
-        <mc:Choice xmlns:a14="http://schemas.microsoft.com/office/drawing/2010/main" Requires="a14">
+      <mc:AlternateContent xmlns:mc="http://schemas.openxmlformats.org/markup-compatibility/2006" xmlns:a14="http://schemas.microsoft.com/office/drawing/2010/main">
+        <mc:Choice Requires="a14">
           <p:sp>
             <p:nvSpPr>
               <p:cNvPr id="19" name="TextBox 18"/>
@@ -12233,7 +12235,7 @@
             </p:txBody>
           </p:sp>
         </mc:Choice>
-        <mc:Fallback>
+        <mc:Fallback xmlns="">
           <p:sp>
             <p:nvSpPr>
               <p:cNvPr id="19" name="TextBox 18"/>
@@ -12460,8 +12462,8 @@
           </a:fontRef>
         </p:style>
       </p:cxnSp>
-      <mc:AlternateContent xmlns:mc="http://schemas.openxmlformats.org/markup-compatibility/2006">
-        <mc:Choice xmlns:a14="http://schemas.microsoft.com/office/drawing/2010/main" Requires="a14">
+      <mc:AlternateContent xmlns:mc="http://schemas.openxmlformats.org/markup-compatibility/2006" xmlns:a14="http://schemas.microsoft.com/office/drawing/2010/main">
+        <mc:Choice Requires="a14">
           <p:sp>
             <p:nvSpPr>
               <p:cNvPr id="25" name="TextBox 24"/>
@@ -12522,7 +12524,7 @@
             </p:txBody>
           </p:sp>
         </mc:Choice>
-        <mc:Fallback>
+        <mc:Fallback xmlns="">
           <p:sp>
             <p:nvSpPr>
               <p:cNvPr id="25" name="TextBox 24"/>
@@ -13026,8 +13028,8 @@
           </p:txBody>
         </p:sp>
       </p:grpSp>
-      <mc:AlternateContent xmlns:mc="http://schemas.openxmlformats.org/markup-compatibility/2006">
-        <mc:Choice xmlns:a14="http://schemas.microsoft.com/office/drawing/2010/main" Requires="a14">
+      <mc:AlternateContent xmlns:mc="http://schemas.openxmlformats.org/markup-compatibility/2006" xmlns:a14="http://schemas.microsoft.com/office/drawing/2010/main">
+        <mc:Choice Requires="a14">
           <p:sp>
             <p:nvSpPr>
               <p:cNvPr id="38" name="TextBox 37"/>
@@ -13157,7 +13159,7 @@
             </p:txBody>
           </p:sp>
         </mc:Choice>
-        <mc:Fallback>
+        <mc:Fallback xmlns="">
           <p:sp>
             <p:nvSpPr>
               <p:cNvPr id="38" name="TextBox 37"/>
@@ -13306,11 +13308,7 @@
           <a:p>
             <a:r>
               <a:rPr lang="en-US" dirty="0" smtClean="0"/>
-              <a:t>Overall payload mass </a:t>
-            </a:r>
-            <a:r>
-              <a:rPr lang="en-US" dirty="0" smtClean="0"/>
-              <a:t>fraction:</a:t>
+              <a:t>Overall payload mass fraction:</a:t>
             </a:r>
             <a:endParaRPr lang="en-US" dirty="0"/>
           </a:p>
@@ -13398,8 +13396,8 @@
           </a:fontRef>
         </p:style>
       </p:cxnSp>
-      <mc:AlternateContent xmlns:mc="http://schemas.openxmlformats.org/markup-compatibility/2006">
-        <mc:Choice xmlns:a14="http://schemas.microsoft.com/office/drawing/2010/main" Requires="a14">
+      <mc:AlternateContent xmlns:mc="http://schemas.openxmlformats.org/markup-compatibility/2006" xmlns:a14="http://schemas.microsoft.com/office/drawing/2010/main">
+        <mc:Choice Requires="a14">
           <p:sp>
             <p:nvSpPr>
               <p:cNvPr id="47" name="TextBox 46"/>
@@ -13470,7 +13468,7 @@
             </p:txBody>
           </p:sp>
         </mc:Choice>
-        <mc:Fallback>
+        <mc:Fallback xmlns="">
           <p:sp>
             <p:nvSpPr>
               <p:cNvPr id="47" name="TextBox 46"/>
@@ -14306,8 +14304,8 @@
           </a:p>
         </p:txBody>
       </p:sp>
-      <mc:AlternateContent xmlns:mc="http://schemas.openxmlformats.org/markup-compatibility/2006">
-        <mc:Choice xmlns:a14="http://schemas.microsoft.com/office/drawing/2010/main" Requires="a14">
+      <mc:AlternateContent xmlns:mc="http://schemas.openxmlformats.org/markup-compatibility/2006" xmlns:a14="http://schemas.microsoft.com/office/drawing/2010/main">
+        <mc:Choice Requires="a14">
           <p:sp>
             <p:nvSpPr>
               <p:cNvPr id="3" name="Content Placeholder 2"/>
@@ -14626,7 +14624,7 @@
             </p:txBody>
           </p:sp>
         </mc:Choice>
-        <mc:Fallback>
+        <mc:Fallback xmlns="">
           <p:sp>
             <p:nvSpPr>
               <p:cNvPr id="3" name="Content Placeholder 2"/>
@@ -14697,8 +14695,8 @@
           <a:chExt cx="0" cy="0"/>
         </a:xfrm>
       </p:grpSpPr>
-      <mc:AlternateContent xmlns:mc="http://schemas.openxmlformats.org/markup-compatibility/2006">
-        <mc:Choice xmlns:a14="http://schemas.microsoft.com/office/drawing/2010/main" Requires="a14">
+      <mc:AlternateContent xmlns:mc="http://schemas.openxmlformats.org/markup-compatibility/2006" xmlns:a14="http://schemas.microsoft.com/office/drawing/2010/main">
+        <mc:Choice Requires="a14">
           <p:sp>
             <p:nvSpPr>
               <p:cNvPr id="2" name="Title 1"/>
@@ -14763,7 +14761,7 @@
             </p:txBody>
           </p:sp>
         </mc:Choice>
-        <mc:Fallback>
+        <mc:Fallback xmlns="">
           <p:sp>
             <p:nvSpPr>
               <p:cNvPr id="2" name="Title 1"/>
@@ -14840,8 +14838,8 @@
           </a:p>
         </p:txBody>
       </p:sp>
-      <mc:AlternateContent xmlns:mc="http://schemas.openxmlformats.org/markup-compatibility/2006">
-        <mc:Choice xmlns:a14="http://schemas.microsoft.com/office/drawing/2010/main" Requires="a14">
+      <mc:AlternateContent xmlns:mc="http://schemas.openxmlformats.org/markup-compatibility/2006" xmlns:a14="http://schemas.microsoft.com/office/drawing/2010/main">
+        <mc:Choice Requires="a14">
           <p:sp>
             <p:nvSpPr>
               <p:cNvPr id="6" name="Content Placeholder 2"/>
@@ -15726,7 +15724,7 @@
             </p:txBody>
           </p:sp>
         </mc:Choice>
-        <mc:Fallback>
+        <mc:Fallback xmlns="">
           <p:sp>
             <p:nvSpPr>
               <p:cNvPr id="6" name="Content Placeholder 2"/>
@@ -16268,8 +16266,8 @@
           </a:fontRef>
         </p:style>
       </p:cxnSp>
-      <mc:AlternateContent xmlns:mc="http://schemas.openxmlformats.org/markup-compatibility/2006">
-        <mc:Choice xmlns:a14="http://schemas.microsoft.com/office/drawing/2010/main" Requires="a14">
+      <mc:AlternateContent xmlns:mc="http://schemas.openxmlformats.org/markup-compatibility/2006" xmlns:a14="http://schemas.microsoft.com/office/drawing/2010/main">
+        <mc:Choice Requires="a14">
           <p:sp>
             <p:nvSpPr>
               <p:cNvPr id="21" name="TextBox 20"/>
@@ -16440,7 +16438,7 @@
             </p:txBody>
           </p:sp>
         </mc:Choice>
-        <mc:Fallback>
+        <mc:Fallback xmlns="">
           <p:sp>
             <p:nvSpPr>
               <p:cNvPr id="21" name="TextBox 20"/>
@@ -16479,8 +16477,8 @@
           </p:sp>
         </mc:Fallback>
       </mc:AlternateContent>
-      <mc:AlternateContent xmlns:mc="http://schemas.openxmlformats.org/markup-compatibility/2006">
-        <mc:Choice xmlns:a14="http://schemas.microsoft.com/office/drawing/2010/main" Requires="a14">
+      <mc:AlternateContent xmlns:mc="http://schemas.openxmlformats.org/markup-compatibility/2006" xmlns:a14="http://schemas.microsoft.com/office/drawing/2010/main">
+        <mc:Choice Requires="a14">
           <p:sp>
             <p:nvSpPr>
               <p:cNvPr id="22" name="TextBox 21"/>
@@ -16552,7 +16550,7 @@
             </p:txBody>
           </p:sp>
         </mc:Choice>
-        <mc:Fallback>
+        <mc:Fallback xmlns="">
           <p:sp>
             <p:nvSpPr>
               <p:cNvPr id="22" name="TextBox 21"/>
@@ -16591,8 +16589,8 @@
           </p:sp>
         </mc:Fallback>
       </mc:AlternateContent>
-      <mc:AlternateContent xmlns:mc="http://schemas.openxmlformats.org/markup-compatibility/2006">
-        <mc:Choice xmlns:a14="http://schemas.microsoft.com/office/drawing/2010/main" Requires="a14">
+      <mc:AlternateContent xmlns:mc="http://schemas.openxmlformats.org/markup-compatibility/2006" xmlns:a14="http://schemas.microsoft.com/office/drawing/2010/main">
+        <mc:Choice Requires="a14">
           <p:sp>
             <p:nvSpPr>
               <p:cNvPr id="23" name="TextBox 22"/>
@@ -16655,7 +16653,7 @@
             </p:txBody>
           </p:sp>
         </mc:Choice>
-        <mc:Fallback>
+        <mc:Fallback xmlns="">
           <p:sp>
             <p:nvSpPr>
               <p:cNvPr id="23" name="TextBox 22"/>
@@ -17189,8 +17187,8 @@
           <a:chExt cx="0" cy="0"/>
         </a:xfrm>
       </p:grpSpPr>
-      <mc:AlternateContent xmlns:mc="http://schemas.openxmlformats.org/markup-compatibility/2006">
-        <mc:Choice xmlns:a14="http://schemas.microsoft.com/office/drawing/2010/main" Requires="a14">
+      <mc:AlternateContent xmlns:mc="http://schemas.openxmlformats.org/markup-compatibility/2006" xmlns:a14="http://schemas.microsoft.com/office/drawing/2010/main">
+        <mc:Choice Requires="a14">
           <p:sp>
             <p:nvSpPr>
               <p:cNvPr id="2" name="Title 1"/>
@@ -17258,7 +17256,7 @@
             </p:txBody>
           </p:sp>
         </mc:Choice>
-        <mc:Fallback>
+        <mc:Fallback xmlns="">
           <p:sp>
             <p:nvSpPr>
               <p:cNvPr id="2" name="Title 1"/>
@@ -17292,8 +17290,8 @@
           </p:sp>
         </mc:Fallback>
       </mc:AlternateContent>
-      <mc:AlternateContent xmlns:mc="http://schemas.openxmlformats.org/markup-compatibility/2006">
-        <mc:Choice xmlns:a14="http://schemas.microsoft.com/office/drawing/2010/main" Requires="a14">
+      <mc:AlternateContent xmlns:mc="http://schemas.openxmlformats.org/markup-compatibility/2006" xmlns:a14="http://schemas.microsoft.com/office/drawing/2010/main">
+        <mc:Choice Requires="a14">
           <p:sp>
             <p:nvSpPr>
               <p:cNvPr id="3" name="Content Placeholder 2"/>
@@ -17531,7 +17529,7 @@
             </p:txBody>
           </p:sp>
         </mc:Choice>
-        <mc:Fallback>
+        <mc:Fallback xmlns="">
           <p:sp>
             <p:nvSpPr>
               <p:cNvPr id="3" name="Content Placeholder 2"/>
@@ -17760,8 +17758,8 @@
           </a:p>
         </p:txBody>
       </p:sp>
-      <mc:AlternateContent xmlns:mc="http://schemas.openxmlformats.org/markup-compatibility/2006">
-        <mc:Choice xmlns:a14="http://schemas.microsoft.com/office/drawing/2010/main" Requires="a14">
+      <mc:AlternateContent xmlns:mc="http://schemas.openxmlformats.org/markup-compatibility/2006" xmlns:a14="http://schemas.microsoft.com/office/drawing/2010/main">
+        <mc:Choice Requires="a14">
           <p:sp>
             <p:nvSpPr>
               <p:cNvPr id="6" name="Content Placeholder 2"/>
@@ -18007,11 +18005,7 @@
                 </a14:m>
                 <a:r>
                   <a:rPr lang="en-US" dirty="0" smtClean="0"/>
-                  <a:t> </a:t>
-                </a:r>
-                <a:r>
-                  <a:rPr lang="en-US" dirty="0" smtClean="0"/>
-                  <a:t>to reach target orbit</a:t>
+                  <a:t> to reach target orbit</a:t>
                 </a:r>
                 <a:endParaRPr lang="en-US" dirty="0"/>
               </a:p>
@@ -18019,11 +18013,7 @@
                 <a:pPr lvl="1"/>
                 <a:r>
                   <a:rPr lang="en-US" dirty="0" smtClean="0"/>
-                  <a:t>Alters </a:t>
-                </a:r>
-                <a:r>
-                  <a:rPr lang="en-US" dirty="0" smtClean="0"/>
-                  <a:t>gravity and drag losses</a:t>
+                  <a:t>Alters gravity and drag losses</a:t>
                 </a:r>
               </a:p>
               <a:p>
@@ -18043,7 +18033,7 @@
             </p:txBody>
           </p:sp>
         </mc:Choice>
-        <mc:Fallback>
+        <mc:Fallback xmlns="">
           <p:sp>
             <p:nvSpPr>
               <p:cNvPr id="6" name="Content Placeholder 2"/>
@@ -18830,8 +18820,8 @@
           </p:txBody>
         </p:sp>
       </p:grpSp>
-      <mc:AlternateContent xmlns:mc="http://schemas.openxmlformats.org/markup-compatibility/2006">
-        <mc:Choice xmlns:a14="http://schemas.microsoft.com/office/drawing/2010/main" Requires="a14">
+      <mc:AlternateContent xmlns:mc="http://schemas.openxmlformats.org/markup-compatibility/2006" xmlns:a14="http://schemas.microsoft.com/office/drawing/2010/main">
+        <mc:Choice Requires="a14">
           <p:sp>
             <p:nvSpPr>
               <p:cNvPr id="20" name="TextBox 19"/>
@@ -18906,7 +18896,7 @@
             </p:txBody>
           </p:sp>
         </mc:Choice>
-        <mc:Fallback>
+        <mc:Fallback xmlns="">
           <p:sp>
             <p:nvSpPr>
               <p:cNvPr id="20" name="TextBox 19"/>
@@ -18945,8 +18935,8 @@
           </p:sp>
         </mc:Fallback>
       </mc:AlternateContent>
-      <mc:AlternateContent xmlns:mc="http://schemas.openxmlformats.org/markup-compatibility/2006">
-        <mc:Choice xmlns:a14="http://schemas.microsoft.com/office/drawing/2010/main" Requires="a14">
+      <mc:AlternateContent xmlns:mc="http://schemas.openxmlformats.org/markup-compatibility/2006" xmlns:a14="http://schemas.microsoft.com/office/drawing/2010/main">
+        <mc:Choice Requires="a14">
           <p:sp>
             <p:nvSpPr>
               <p:cNvPr id="21" name="TextBox 20"/>
@@ -19021,7 +19011,7 @@
             </p:txBody>
           </p:sp>
         </mc:Choice>
-        <mc:Fallback>
+        <mc:Fallback xmlns="">
           <p:sp>
             <p:nvSpPr>
               <p:cNvPr id="21" name="TextBox 20"/>
@@ -19236,8 +19226,8 @@
           </a:p>
         </p:txBody>
       </p:sp>
-      <mc:AlternateContent xmlns:mc="http://schemas.openxmlformats.org/markup-compatibility/2006">
-        <mc:Choice xmlns:a14="http://schemas.microsoft.com/office/drawing/2010/main" Requires="a14">
+      <mc:AlternateContent xmlns:mc="http://schemas.openxmlformats.org/markup-compatibility/2006" xmlns:a14="http://schemas.microsoft.com/office/drawing/2010/main">
+        <mc:Choice Requires="a14">
           <p:sp>
             <p:nvSpPr>
               <p:cNvPr id="26" name="TextBox 25"/>
@@ -19304,7 +19294,7 @@
             </p:txBody>
           </p:sp>
         </mc:Choice>
-        <mc:Fallback>
+        <mc:Fallback xmlns="">
           <p:sp>
             <p:nvSpPr>
               <p:cNvPr id="26" name="TextBox 25"/>
@@ -19428,8 +19418,8 @@
           </a:fontRef>
         </p:style>
       </p:cxnSp>
-      <mc:AlternateContent xmlns:mc="http://schemas.openxmlformats.org/markup-compatibility/2006">
-        <mc:Choice xmlns:a14="http://schemas.microsoft.com/office/drawing/2010/main" Requires="a14">
+      <mc:AlternateContent xmlns:mc="http://schemas.openxmlformats.org/markup-compatibility/2006" xmlns:a14="http://schemas.microsoft.com/office/drawing/2010/main">
+        <mc:Choice Requires="a14">
           <p:sp>
             <p:nvSpPr>
               <p:cNvPr id="29" name="TextBox 28"/>
@@ -19496,7 +19486,7 @@
             </p:txBody>
           </p:sp>
         </mc:Choice>
-        <mc:Fallback>
+        <mc:Fallback xmlns="">
           <p:sp>
             <p:nvSpPr>
               <p:cNvPr id="29" name="TextBox 28"/>
@@ -22443,8 +22433,8 @@
           </a:p>
         </p:txBody>
       </p:sp>
-      <mc:AlternateContent xmlns:mc="http://schemas.openxmlformats.org/markup-compatibility/2006">
-        <mc:Choice xmlns:a14="http://schemas.microsoft.com/office/drawing/2010/main" Requires="a14">
+      <mc:AlternateContent xmlns:mc="http://schemas.openxmlformats.org/markup-compatibility/2006" xmlns:a14="http://schemas.microsoft.com/office/drawing/2010/main">
+        <mc:Choice Requires="a14">
           <p:sp>
             <p:nvSpPr>
               <p:cNvPr id="78" name="TextBox 77"/>
@@ -22584,7 +22574,7 @@
                     <m:sSub>
                       <m:sSubPr>
                         <m:ctrlPr>
-                          <a:rPr lang="en-US" b="0" i="0" smtClean="0">
+                          <a:rPr lang="en-US" b="0" i="1" smtClean="0">
                             <a:latin typeface="Cambria Math" panose="02040503050406030204" pitchFamily="18" charset="0"/>
                           </a:rPr>
                         </m:ctrlPr>
@@ -22613,7 +22603,7 @@
             </p:txBody>
           </p:sp>
         </mc:Choice>
-        <mc:Fallback>
+        <mc:Fallback xmlns="">
           <p:sp>
             <p:nvSpPr>
               <p:cNvPr id="78" name="TextBox 77"/>
@@ -22652,8 +22642,8 @@
           </p:sp>
         </mc:Fallback>
       </mc:AlternateContent>
-      <mc:AlternateContent xmlns:mc="http://schemas.openxmlformats.org/markup-compatibility/2006">
-        <mc:Choice xmlns:a14="http://schemas.microsoft.com/office/drawing/2010/main" Requires="a14">
+      <mc:AlternateContent xmlns:mc="http://schemas.openxmlformats.org/markup-compatibility/2006" xmlns:a14="http://schemas.microsoft.com/office/drawing/2010/main">
+        <mc:Choice Requires="a14">
           <p:sp>
             <p:nvSpPr>
               <p:cNvPr id="79" name="TextBox 78"/>
@@ -22730,7 +22720,7 @@
             </p:txBody>
           </p:sp>
         </mc:Choice>
-        <mc:Fallback>
+        <mc:Fallback xmlns="">
           <p:sp>
             <p:nvSpPr>
               <p:cNvPr id="79" name="TextBox 78"/>
@@ -22769,8 +22759,8 @@
           </p:sp>
         </mc:Fallback>
       </mc:AlternateContent>
-      <mc:AlternateContent xmlns:mc="http://schemas.openxmlformats.org/markup-compatibility/2006">
-        <mc:Choice xmlns:a14="http://schemas.microsoft.com/office/drawing/2010/main" Requires="a14">
+      <mc:AlternateContent xmlns:mc="http://schemas.openxmlformats.org/markup-compatibility/2006" xmlns:a14="http://schemas.microsoft.com/office/drawing/2010/main">
+        <mc:Choice Requires="a14">
           <p:sp>
             <p:nvSpPr>
               <p:cNvPr id="82" name="TextBox 81"/>
@@ -22852,6 +22842,7 @@
                 <a:endParaRPr lang="en-US" dirty="0" smtClean="0"/>
               </a:p>
               <a:p>
+                <a:pPr/>
                 <a14:m>
                   <m:oMathPara xmlns:m="http://schemas.openxmlformats.org/officeDocument/2006/math">
                     <m:oMathParaPr>
@@ -22870,7 +22861,7 @@
                       <m:sSub>
                         <m:sSubPr>
                           <m:ctrlPr>
-                            <a:rPr lang="en-US" b="0" i="0" smtClean="0">
+                            <a:rPr lang="en-US" b="0" i="1" smtClean="0">
                               <a:latin typeface="Cambria Math" panose="02040503050406030204" pitchFamily="18" charset="0"/>
                             </a:rPr>
                           </m:ctrlPr>
@@ -22980,7 +22971,7 @@
             </p:txBody>
           </p:sp>
         </mc:Choice>
-        <mc:Fallback>
+        <mc:Fallback xmlns="">
           <p:sp>
             <p:nvSpPr>
               <p:cNvPr id="82" name="TextBox 81"/>
@@ -23455,8 +23446,8 @@
           </a:p>
         </p:txBody>
       </p:sp>
-      <mc:AlternateContent xmlns:mc="http://schemas.openxmlformats.org/markup-compatibility/2006">
-        <mc:Choice xmlns:a14="http://schemas.microsoft.com/office/drawing/2010/main" Requires="a14">
+      <mc:AlternateContent xmlns:mc="http://schemas.openxmlformats.org/markup-compatibility/2006" xmlns:a14="http://schemas.microsoft.com/office/drawing/2010/main">
+        <mc:Choice Requires="a14">
           <p:sp>
             <p:nvSpPr>
               <p:cNvPr id="11" name="TextBox 10"/>
@@ -23531,7 +23522,7 @@
             </p:txBody>
           </p:sp>
         </mc:Choice>
-        <mc:Fallback>
+        <mc:Fallback xmlns="">
           <p:sp>
             <p:nvSpPr>
               <p:cNvPr id="11" name="TextBox 10"/>
@@ -23570,8 +23561,8 @@
           </p:sp>
         </mc:Fallback>
       </mc:AlternateContent>
-      <mc:AlternateContent xmlns:mc="http://schemas.openxmlformats.org/markup-compatibility/2006">
-        <mc:Choice xmlns:a14="http://schemas.microsoft.com/office/drawing/2010/main" Requires="a14">
+      <mc:AlternateContent xmlns:mc="http://schemas.openxmlformats.org/markup-compatibility/2006" xmlns:a14="http://schemas.microsoft.com/office/drawing/2010/main">
+        <mc:Choice Requires="a14">
           <p:sp>
             <p:nvSpPr>
               <p:cNvPr id="12" name="TextBox 11"/>
@@ -23646,7 +23637,7 @@
             </p:txBody>
           </p:sp>
         </mc:Choice>
-        <mc:Fallback>
+        <mc:Fallback xmlns="">
           <p:sp>
             <p:nvSpPr>
               <p:cNvPr id="12" name="TextBox 11"/>
@@ -23761,8 +23752,8 @@
           </a:fontRef>
         </p:style>
       </p:cxnSp>
-      <mc:AlternateContent xmlns:mc="http://schemas.openxmlformats.org/markup-compatibility/2006">
-        <mc:Choice xmlns:a14="http://schemas.microsoft.com/office/drawing/2010/main" Requires="a14">
+      <mc:AlternateContent xmlns:mc="http://schemas.openxmlformats.org/markup-compatibility/2006" xmlns:a14="http://schemas.microsoft.com/office/drawing/2010/main">
+        <mc:Choice Requires="a14">
           <p:sp>
             <p:nvSpPr>
               <p:cNvPr id="20" name="TextBox 19"/>
@@ -23829,7 +23820,7 @@
             </p:txBody>
           </p:sp>
         </mc:Choice>
-        <mc:Fallback>
+        <mc:Fallback xmlns="">
           <p:sp>
             <p:nvSpPr>
               <p:cNvPr id="20" name="TextBox 19"/>
@@ -23906,8 +23897,8 @@
           </a:fontRef>
         </p:style>
       </p:cxnSp>
-      <mc:AlternateContent xmlns:mc="http://schemas.openxmlformats.org/markup-compatibility/2006">
-        <mc:Choice xmlns:a14="http://schemas.microsoft.com/office/drawing/2010/main" Requires="a14">
+      <mc:AlternateContent xmlns:mc="http://schemas.openxmlformats.org/markup-compatibility/2006" xmlns:a14="http://schemas.microsoft.com/office/drawing/2010/main">
+        <mc:Choice Requires="a14">
           <p:sp>
             <p:nvSpPr>
               <p:cNvPr id="25" name="TextBox 24"/>
@@ -23974,7 +23965,7 @@
             </p:txBody>
           </p:sp>
         </mc:Choice>
-        <mc:Fallback>
+        <mc:Fallback xmlns="">
           <p:sp>
             <p:nvSpPr>
               <p:cNvPr id="25" name="TextBox 24"/>
@@ -24052,8 +24043,8 @@
           </a:fontRef>
         </p:style>
       </p:cxnSp>
-      <mc:AlternateContent xmlns:mc="http://schemas.openxmlformats.org/markup-compatibility/2006">
-        <mc:Choice xmlns:a14="http://schemas.microsoft.com/office/drawing/2010/main" Requires="a14">
+      <mc:AlternateContent xmlns:mc="http://schemas.openxmlformats.org/markup-compatibility/2006" xmlns:a14="http://schemas.microsoft.com/office/drawing/2010/main">
+        <mc:Choice Requires="a14">
           <p:sp>
             <p:nvSpPr>
               <p:cNvPr id="31" name="TextBox 30"/>
@@ -24076,6 +24067,7 @@
               </a:bodyPr>
               <a:lstStyle/>
               <a:p>
+                <a:pPr/>
                 <a14:m>
                   <m:oMathPara xmlns:m="http://schemas.openxmlformats.org/officeDocument/2006/math">
                     <m:oMathParaPr>
@@ -24129,7 +24121,7 @@
             </p:txBody>
           </p:sp>
         </mc:Choice>
-        <mc:Fallback>
+        <mc:Fallback xmlns="">
           <p:sp>
             <p:nvSpPr>
               <p:cNvPr id="31" name="TextBox 30"/>
@@ -24168,8 +24160,8 @@
           </p:sp>
         </mc:Fallback>
       </mc:AlternateContent>
-      <mc:AlternateContent xmlns:mc="http://schemas.openxmlformats.org/markup-compatibility/2006">
-        <mc:Choice xmlns:a14="http://schemas.microsoft.com/office/drawing/2010/main" Requires="a14">
+      <mc:AlternateContent xmlns:mc="http://schemas.openxmlformats.org/markup-compatibility/2006" xmlns:a14="http://schemas.microsoft.com/office/drawing/2010/main">
+        <mc:Choice Requires="a14">
           <p:sp>
             <p:nvSpPr>
               <p:cNvPr id="32" name="TextBox 31"/>
@@ -24340,7 +24332,7 @@
             </p:txBody>
           </p:sp>
         </mc:Choice>
-        <mc:Fallback>
+        <mc:Fallback xmlns="">
           <p:sp>
             <p:nvSpPr>
               <p:cNvPr id="32" name="TextBox 31"/>
@@ -25025,8 +25017,8 @@
           </p:txBody>
         </p:sp>
       </p:grpSp>
-      <mc:AlternateContent xmlns:mc="http://schemas.openxmlformats.org/markup-compatibility/2006">
-        <mc:Choice xmlns:a14="http://schemas.microsoft.com/office/drawing/2010/main" Requires="a14">
+      <mc:AlternateContent xmlns:mc="http://schemas.openxmlformats.org/markup-compatibility/2006" xmlns:a14="http://schemas.microsoft.com/office/drawing/2010/main">
+        <mc:Choice Requires="a14">
           <p:sp>
             <p:nvSpPr>
               <p:cNvPr id="52" name="TextBox 51"/>
@@ -25099,7 +25091,7 @@
             </p:txBody>
           </p:sp>
         </mc:Choice>
-        <mc:Fallback>
+        <mc:Fallback xmlns="">
           <p:sp>
             <p:nvSpPr>
               <p:cNvPr id="52" name="TextBox 51"/>
@@ -25502,8 +25494,8 @@
           </a:fontRef>
         </p:style>
       </p:cxnSp>
-      <mc:AlternateContent xmlns:mc="http://schemas.openxmlformats.org/markup-compatibility/2006">
-        <mc:Choice xmlns:a14="http://schemas.microsoft.com/office/drawing/2010/main" Requires="a14">
+      <mc:AlternateContent xmlns:mc="http://schemas.openxmlformats.org/markup-compatibility/2006" xmlns:a14="http://schemas.microsoft.com/office/drawing/2010/main">
+        <mc:Choice Requires="a14">
           <p:sp>
             <p:nvSpPr>
               <p:cNvPr id="68" name="TextBox 67"/>
@@ -25528,11 +25520,7 @@
               <a:p>
                 <a:r>
                   <a:rPr lang="en-US" dirty="0" smtClean="0"/>
-                  <a:t>Baseline inert </a:t>
-                </a:r>
-                <a:r>
-                  <a:rPr lang="en-US" dirty="0" smtClean="0"/>
-                  <a:t>mass fraction </a:t>
+                  <a:t>Baseline inert mass fraction </a:t>
                 </a:r>
                 <a14:m>
                   <m:oMath xmlns:m="http://schemas.openxmlformats.org/officeDocument/2006/math">
@@ -25572,7 +25560,7 @@
             </p:txBody>
           </p:sp>
         </mc:Choice>
-        <mc:Fallback>
+        <mc:Fallback xmlns="">
           <p:sp>
             <p:nvSpPr>
               <p:cNvPr id="68" name="TextBox 67"/>
@@ -25611,8 +25599,8 @@
           </p:sp>
         </mc:Fallback>
       </mc:AlternateContent>
-      <mc:AlternateContent xmlns:mc="http://schemas.openxmlformats.org/markup-compatibility/2006">
-        <mc:Choice xmlns:a14="http://schemas.microsoft.com/office/drawing/2010/main" Requires="a14">
+      <mc:AlternateContent xmlns:mc="http://schemas.openxmlformats.org/markup-compatibility/2006" xmlns:a14="http://schemas.microsoft.com/office/drawing/2010/main">
+        <mc:Choice Requires="a14">
           <p:sp>
             <p:nvSpPr>
               <p:cNvPr id="69" name="TextBox 68"/>
@@ -25635,6 +25623,7 @@
               </a:bodyPr>
               <a:lstStyle/>
               <a:p>
+                <a:pPr/>
                 <a14:m>
                   <m:oMathPara xmlns:m="http://schemas.openxmlformats.org/officeDocument/2006/math">
                     <m:oMathParaPr>
@@ -25680,7 +25669,7 @@
             </p:txBody>
           </p:sp>
         </mc:Choice>
-        <mc:Fallback>
+        <mc:Fallback xmlns="">
           <p:sp>
             <p:nvSpPr>
               <p:cNvPr id="69" name="TextBox 68"/>
@@ -26452,8 +26441,8 @@
           </a:p>
         </p:txBody>
       </p:sp>
-      <mc:AlternateContent xmlns:mc="http://schemas.openxmlformats.org/markup-compatibility/2006">
-        <mc:Choice xmlns:a14="http://schemas.microsoft.com/office/drawing/2010/main" Requires="a14">
+      <mc:AlternateContent xmlns:mc="http://schemas.openxmlformats.org/markup-compatibility/2006" xmlns:a14="http://schemas.microsoft.com/office/drawing/2010/main">
+        <mc:Choice Requires="a14">
           <p:sp>
             <p:nvSpPr>
               <p:cNvPr id="14" name="TextBox 13"/>
@@ -26613,7 +26602,7 @@
             </p:txBody>
           </p:sp>
         </mc:Choice>
-        <mc:Fallback>
+        <mc:Fallback xmlns="">
           <p:sp>
             <p:nvSpPr>
               <p:cNvPr id="14" name="TextBox 13"/>
@@ -27235,8 +27224,8 @@
           </p:txBody>
         </p:sp>
       </p:grpSp>
-      <mc:AlternateContent xmlns:mc="http://schemas.openxmlformats.org/markup-compatibility/2006">
-        <mc:Choice xmlns:a14="http://schemas.microsoft.com/office/drawing/2010/main" Requires="a14">
+      <mc:AlternateContent xmlns:mc="http://schemas.openxmlformats.org/markup-compatibility/2006" xmlns:a14="http://schemas.microsoft.com/office/drawing/2010/main">
+        <mc:Choice Requires="a14">
           <p:sp>
             <p:nvSpPr>
               <p:cNvPr id="30" name="TextBox 29"/>
@@ -27406,7 +27395,7 @@
             </p:txBody>
           </p:sp>
         </mc:Choice>
-        <mc:Fallback>
+        <mc:Fallback xmlns="">
           <p:sp>
             <p:nvSpPr>
               <p:cNvPr id="30" name="TextBox 29"/>
@@ -27445,8 +27434,8 @@
           </p:sp>
         </mc:Fallback>
       </mc:AlternateContent>
-      <mc:AlternateContent xmlns:mc="http://schemas.openxmlformats.org/markup-compatibility/2006">
-        <mc:Choice xmlns:a14="http://schemas.microsoft.com/office/drawing/2010/main" Requires="a14">
+      <mc:AlternateContent xmlns:mc="http://schemas.openxmlformats.org/markup-compatibility/2006" xmlns:a14="http://schemas.microsoft.com/office/drawing/2010/main">
+        <mc:Choice Requires="a14">
           <p:sp>
             <p:nvSpPr>
               <p:cNvPr id="31" name="TextBox 30"/>
@@ -27568,7 +27557,7 @@
             </p:txBody>
           </p:sp>
         </mc:Choice>
-        <mc:Fallback>
+        <mc:Fallback xmlns="">
           <p:sp>
             <p:nvSpPr>
               <p:cNvPr id="31" name="TextBox 30"/>
@@ -27607,8 +27596,8 @@
           </p:sp>
         </mc:Fallback>
       </mc:AlternateContent>
-      <mc:AlternateContent xmlns:mc="http://schemas.openxmlformats.org/markup-compatibility/2006">
-        <mc:Choice xmlns:a14="http://schemas.microsoft.com/office/drawing/2010/main" Requires="a14">
+      <mc:AlternateContent xmlns:mc="http://schemas.openxmlformats.org/markup-compatibility/2006" xmlns:a14="http://schemas.microsoft.com/office/drawing/2010/main">
+        <mc:Choice Requires="a14">
           <p:sp>
             <p:nvSpPr>
               <p:cNvPr id="32" name="TextBox 31"/>
@@ -27785,7 +27774,7 @@
             </p:txBody>
           </p:sp>
         </mc:Choice>
-        <mc:Fallback>
+        <mc:Fallback xmlns="">
           <p:sp>
             <p:nvSpPr>
               <p:cNvPr id="32" name="TextBox 31"/>
@@ -27965,52 +27954,9 @@
           <a:chExt cx="0" cy="0"/>
         </a:xfrm>
       </p:grpSpPr>
-      <p:sp>
-        <p:nvSpPr>
-          <p:cNvPr id="4" name="Slide Number Placeholder 3"/>
-          <p:cNvSpPr>
-            <a:spLocks noGrp="1"/>
-          </p:cNvSpPr>
-          <p:nvPr>
-            <p:ph type="sldNum" sz="quarter" idx="12"/>
-          </p:nvPr>
-        </p:nvSpPr>
-        <p:spPr/>
-        <p:txBody>
-          <a:bodyPr/>
-          <a:lstStyle/>
-          <a:p>
-            <a:fld id="{6447B1C5-369C-4919-B399-6646CD3D5833}" type="slidenum">
-              <a:rPr lang="en-US" smtClean="0"/>
-              <a:pPr/>
-              <a:t>27</a:t>
-            </a:fld>
-            <a:endParaRPr lang="en-US" dirty="0"/>
-          </a:p>
-        </p:txBody>
-      </p:sp>
-      <p:sp>
-        <p:nvSpPr>
-          <p:cNvPr id="5" name="Text Placeholder 4"/>
-          <p:cNvSpPr>
-            <a:spLocks noGrp="1"/>
-          </p:cNvSpPr>
-          <p:nvPr>
-            <p:ph type="body" sz="quarter" idx="13"/>
-          </p:nvPr>
-        </p:nvSpPr>
-        <p:spPr/>
-        <p:txBody>
-          <a:bodyPr/>
-          <a:lstStyle/>
-          <a:p>
-            <a:endParaRPr lang="en-US"/>
-          </a:p>
-        </p:txBody>
-      </p:sp>
       <p:pic>
         <p:nvPicPr>
-          <p:cNvPr id="6" name="Picture 5"/>
+          <p:cNvPr id="2" name="Picture 1"/>
           <p:cNvPicPr>
             <a:picLocks noChangeAspect="1"/>
           </p:cNvPicPr>
@@ -28030,8 +27976,8 @@
         </p:blipFill>
         <p:spPr>
           <a:xfrm>
-            <a:off x="1508852" y="-11198"/>
-            <a:ext cx="5977798" cy="5977798"/>
+            <a:off x="1710549" y="220712"/>
+            <a:ext cx="5722889" cy="5722889"/>
           </a:xfrm>
           <a:prstGeom prst="rect">
             <a:avLst/>
@@ -28040,180 +27986,43 @@
       </p:pic>
       <p:sp>
         <p:nvSpPr>
-          <p:cNvPr id="8" name="Oval 7"/>
-          <p:cNvSpPr/>
-          <p:nvPr/>
+          <p:cNvPr id="4" name="Slide Number Placeholder 3"/>
+          <p:cNvSpPr>
+            <a:spLocks noGrp="1"/>
+          </p:cNvSpPr>
+          <p:nvPr>
+            <p:ph type="sldNum" sz="quarter" idx="12"/>
+          </p:nvPr>
         </p:nvSpPr>
-        <p:spPr>
-          <a:xfrm>
-            <a:off x="3353063" y="664505"/>
-            <a:ext cx="213360" cy="754380"/>
-          </a:xfrm>
-          <a:prstGeom prst="ellipse">
-            <a:avLst/>
-          </a:prstGeom>
-          <a:solidFill>
-            <a:srgbClr val="5B9BD5">
-              <a:alpha val="69804"/>
-            </a:srgbClr>
-          </a:solidFill>
-        </p:spPr>
-        <p:style>
-          <a:lnRef idx="2">
-            <a:schemeClr val="accent1">
-              <a:shade val="50000"/>
-            </a:schemeClr>
-          </a:lnRef>
-          <a:fillRef idx="1">
-            <a:schemeClr val="accent1"/>
-          </a:fillRef>
-          <a:effectRef idx="0">
-            <a:schemeClr val="accent1"/>
-          </a:effectRef>
-          <a:fontRef idx="minor">
-            <a:schemeClr val="lt1"/>
-          </a:fontRef>
-        </p:style>
+        <p:spPr/>
         <p:txBody>
-          <a:bodyPr rtlCol="0" anchor="ctr"/>
+          <a:bodyPr/>
           <a:lstStyle/>
           <a:p>
-            <a:pPr algn="ctr"/>
-            <a:endParaRPr lang="en-US"/>
+            <a:fld id="{6447B1C5-369C-4919-B399-6646CD3D5833}" type="slidenum">
+              <a:rPr lang="en-US" smtClean="0"/>
+              <a:pPr/>
+              <a:t>27</a:t>
+            </a:fld>
+            <a:endParaRPr lang="en-US" dirty="0"/>
           </a:p>
         </p:txBody>
       </p:sp>
       <p:sp>
         <p:nvSpPr>
-          <p:cNvPr id="9" name="Oval 8"/>
-          <p:cNvSpPr/>
-          <p:nvPr/>
+          <p:cNvPr id="5" name="Text Placeholder 4"/>
+          <p:cNvSpPr>
+            <a:spLocks noGrp="1"/>
+          </p:cNvSpPr>
+          <p:nvPr>
+            <p:ph type="body" sz="quarter" idx="13"/>
+          </p:nvPr>
         </p:nvSpPr>
-        <p:spPr>
-          <a:xfrm>
-            <a:off x="4950855" y="4731223"/>
-            <a:ext cx="350520" cy="182880"/>
-          </a:xfrm>
-          <a:prstGeom prst="ellipse">
-            <a:avLst/>
-          </a:prstGeom>
-          <a:solidFill>
-            <a:srgbClr val="5B9BD5">
-              <a:alpha val="69804"/>
-            </a:srgbClr>
-          </a:solidFill>
-        </p:spPr>
-        <p:style>
-          <a:lnRef idx="2">
-            <a:schemeClr val="accent1">
-              <a:shade val="50000"/>
-            </a:schemeClr>
-          </a:lnRef>
-          <a:fillRef idx="1">
-            <a:schemeClr val="accent1"/>
-          </a:fillRef>
-          <a:effectRef idx="0">
-            <a:schemeClr val="accent1"/>
-          </a:effectRef>
-          <a:fontRef idx="minor">
-            <a:schemeClr val="lt1"/>
-          </a:fontRef>
-        </p:style>
+        <p:spPr/>
         <p:txBody>
-          <a:bodyPr rtlCol="0" anchor="ctr"/>
+          <a:bodyPr/>
           <a:lstStyle/>
           <a:p>
-            <a:pPr algn="ctr"/>
-            <a:endParaRPr lang="en-US"/>
-          </a:p>
-        </p:txBody>
-      </p:sp>
-      <p:sp>
-        <p:nvSpPr>
-          <p:cNvPr id="10" name="Oval 9"/>
-          <p:cNvSpPr/>
-          <p:nvPr/>
-        </p:nvSpPr>
-        <p:spPr>
-          <a:xfrm>
-            <a:off x="3566423" y="5321147"/>
-            <a:ext cx="281940" cy="45719"/>
-          </a:xfrm>
-          <a:prstGeom prst="ellipse">
-            <a:avLst/>
-          </a:prstGeom>
-          <a:solidFill>
-            <a:srgbClr val="5B9BD5">
-              <a:alpha val="69804"/>
-            </a:srgbClr>
-          </a:solidFill>
-        </p:spPr>
-        <p:style>
-          <a:lnRef idx="2">
-            <a:schemeClr val="accent1">
-              <a:shade val="50000"/>
-            </a:schemeClr>
-          </a:lnRef>
-          <a:fillRef idx="1">
-            <a:schemeClr val="accent1"/>
-          </a:fillRef>
-          <a:effectRef idx="0">
-            <a:schemeClr val="accent1"/>
-          </a:effectRef>
-          <a:fontRef idx="minor">
-            <a:schemeClr val="lt1"/>
-          </a:fontRef>
-        </p:style>
-        <p:txBody>
-          <a:bodyPr rtlCol="0" anchor="ctr"/>
-          <a:lstStyle/>
-          <a:p>
-            <a:pPr algn="ctr"/>
-            <a:endParaRPr lang="en-US"/>
-          </a:p>
-        </p:txBody>
-      </p:sp>
-      <p:sp>
-        <p:nvSpPr>
-          <p:cNvPr id="11" name="Oval 10"/>
-          <p:cNvSpPr/>
-          <p:nvPr/>
-        </p:nvSpPr>
-        <p:spPr>
-          <a:xfrm>
-            <a:off x="4497751" y="5300617"/>
-            <a:ext cx="281940" cy="45719"/>
-          </a:xfrm>
-          <a:prstGeom prst="ellipse">
-            <a:avLst/>
-          </a:prstGeom>
-          <a:solidFill>
-            <a:srgbClr val="5B9BD5">
-              <a:alpha val="69804"/>
-            </a:srgbClr>
-          </a:solidFill>
-        </p:spPr>
-        <p:style>
-          <a:lnRef idx="2">
-            <a:schemeClr val="accent1">
-              <a:shade val="50000"/>
-            </a:schemeClr>
-          </a:lnRef>
-          <a:fillRef idx="1">
-            <a:schemeClr val="accent1"/>
-          </a:fillRef>
-          <a:effectRef idx="0">
-            <a:schemeClr val="accent1"/>
-          </a:effectRef>
-          <a:fontRef idx="minor">
-            <a:schemeClr val="lt1"/>
-          </a:fontRef>
-        </p:style>
-        <p:txBody>
-          <a:bodyPr rtlCol="0" anchor="ctr"/>
-          <a:lstStyle/>
-          <a:p>
-            <a:pPr algn="ctr"/>
             <a:endParaRPr lang="en-US"/>
           </a:p>
         </p:txBody>
@@ -28226,7 +28035,7 @@
         </p:nvSpPr>
         <p:spPr>
           <a:xfrm>
-            <a:off x="3590283" y="805249"/>
+            <a:off x="3740060" y="836781"/>
             <a:ext cx="886718" cy="461665"/>
           </a:xfrm>
           <a:prstGeom prst="rect">
@@ -28266,7 +28075,7 @@
         </p:nvSpPr>
         <p:spPr>
           <a:xfrm>
-            <a:off x="5301375" y="4626129"/>
+            <a:off x="5364439" y="4626129"/>
             <a:ext cx="886718" cy="461665"/>
           </a:xfrm>
           <a:prstGeom prst="rect">
@@ -28300,13 +28109,13 @@
       </p:sp>
       <p:sp>
         <p:nvSpPr>
-          <p:cNvPr id="19" name="TextBox 18"/>
+          <p:cNvPr id="20" name="TextBox 19"/>
           <p:cNvSpPr txBox="1"/>
           <p:nvPr/>
         </p:nvSpPr>
         <p:spPr>
           <a:xfrm>
-            <a:off x="3953297" y="4817690"/>
+            <a:off x="3162212" y="4860228"/>
             <a:ext cx="964688" cy="492443"/>
           </a:xfrm>
           <a:prstGeom prst="rect">
@@ -28325,50 +28134,6 @@
           <a:lstStyle/>
           <a:p>
             <a:r>
-              <a:rPr lang="en-US" sz="1300" dirty="0" smtClean="0"/>
-              <a:t>Winged</a:t>
-            </a:r>
-          </a:p>
-          <a:p>
-            <a:r>
-              <a:rPr lang="en-US" sz="1300" dirty="0"/>
-              <a:t>D</a:t>
-            </a:r>
-            <a:r>
-              <a:rPr lang="en-US" sz="1300" dirty="0" smtClean="0"/>
-              <a:t>ownrange</a:t>
-            </a:r>
-            <a:endParaRPr lang="en-US" sz="1300" dirty="0"/>
-          </a:p>
-        </p:txBody>
-      </p:sp>
-      <p:sp>
-        <p:nvSpPr>
-          <p:cNvPr id="20" name="TextBox 19"/>
-          <p:cNvSpPr txBox="1"/>
-          <p:nvPr/>
-        </p:nvSpPr>
-        <p:spPr>
-          <a:xfrm>
-            <a:off x="3083382" y="4789281"/>
-            <a:ext cx="964688" cy="492443"/>
-          </a:xfrm>
-          <a:prstGeom prst="rect">
-            <a:avLst/>
-          </a:prstGeom>
-          <a:solidFill>
-            <a:srgbClr val="FFFFFF">
-              <a:alpha val="69804"/>
-            </a:srgbClr>
-          </a:solidFill>
-        </p:spPr>
-        <p:txBody>
-          <a:bodyPr wrap="none" rtlCol="0">
-            <a:spAutoFit/>
-          </a:bodyPr>
-          <a:lstStyle/>
-          <a:p>
-            <a:r>
               <a:rPr lang="en-US" sz="1300" dirty="0"/>
               <a:t>P</a:t>
             </a:r>
@@ -28376,7 +28141,6 @@
               <a:rPr lang="en-US" sz="1300" dirty="0" smtClean="0"/>
               <a:t>arachute</a:t>
             </a:r>
-            <a:endParaRPr lang="en-US" sz="1300" dirty="0" smtClean="0"/>
           </a:p>
           <a:p>
             <a:r>
@@ -29727,6 +29491,320 @@
           </a:fontRef>
         </p:style>
       </p:cxnSp>
+      <p:sp>
+        <p:nvSpPr>
+          <p:cNvPr id="58" name="TextBox 57"/>
+          <p:cNvSpPr txBox="1"/>
+          <p:nvPr/>
+        </p:nvSpPr>
+        <p:spPr>
+          <a:xfrm>
+            <a:off x="3713672" y="3930736"/>
+            <a:ext cx="964688" cy="492443"/>
+          </a:xfrm>
+          <a:prstGeom prst="rect">
+            <a:avLst/>
+          </a:prstGeom>
+          <a:solidFill>
+            <a:srgbClr val="FFFFFF">
+              <a:alpha val="69804"/>
+            </a:srgbClr>
+          </a:solidFill>
+        </p:spPr>
+        <p:txBody>
+          <a:bodyPr wrap="none" rtlCol="0">
+            <a:spAutoFit/>
+          </a:bodyPr>
+          <a:lstStyle/>
+          <a:p>
+            <a:r>
+              <a:rPr lang="en-US" sz="1300" dirty="0" smtClean="0"/>
+              <a:t>Propulsive</a:t>
+            </a:r>
+            <a:endParaRPr lang="en-US" sz="1300" dirty="0" smtClean="0"/>
+          </a:p>
+          <a:p>
+            <a:r>
+              <a:rPr lang="en-US" sz="1300" dirty="0"/>
+              <a:t>D</a:t>
+            </a:r>
+            <a:r>
+              <a:rPr lang="en-US" sz="1300" dirty="0" smtClean="0"/>
+              <a:t>ownrange</a:t>
+            </a:r>
+            <a:endParaRPr lang="en-US" sz="1300" dirty="0"/>
+          </a:p>
+        </p:txBody>
+      </p:sp>
+      <p:sp>
+        <p:nvSpPr>
+          <p:cNvPr id="57" name="Oval 56"/>
+          <p:cNvSpPr/>
+          <p:nvPr/>
+        </p:nvSpPr>
+        <p:spPr>
+          <a:xfrm>
+            <a:off x="3446962" y="4080757"/>
+            <a:ext cx="333986" cy="809698"/>
+          </a:xfrm>
+          <a:prstGeom prst="ellipse">
+            <a:avLst/>
+          </a:prstGeom>
+          <a:solidFill>
+            <a:srgbClr val="5B9BD5">
+              <a:alpha val="69804"/>
+            </a:srgbClr>
+          </a:solidFill>
+        </p:spPr>
+        <p:style>
+          <a:lnRef idx="2">
+            <a:schemeClr val="accent1">
+              <a:shade val="50000"/>
+            </a:schemeClr>
+          </a:lnRef>
+          <a:fillRef idx="1">
+            <a:schemeClr val="accent1"/>
+          </a:fillRef>
+          <a:effectRef idx="0">
+            <a:schemeClr val="accent1"/>
+          </a:effectRef>
+          <a:fontRef idx="minor">
+            <a:schemeClr val="lt1"/>
+          </a:fontRef>
+        </p:style>
+        <p:txBody>
+          <a:bodyPr rtlCol="0" anchor="ctr"/>
+          <a:lstStyle/>
+          <a:p>
+            <a:pPr algn="ctr"/>
+            <a:endParaRPr lang="en-US"/>
+          </a:p>
+        </p:txBody>
+      </p:sp>
+      <p:sp>
+        <p:nvSpPr>
+          <p:cNvPr id="8" name="Oval 7"/>
+          <p:cNvSpPr/>
+          <p:nvPr/>
+        </p:nvSpPr>
+        <p:spPr>
+          <a:xfrm>
+            <a:off x="3446962" y="821589"/>
+            <a:ext cx="333986" cy="1172749"/>
+          </a:xfrm>
+          <a:prstGeom prst="ellipse">
+            <a:avLst/>
+          </a:prstGeom>
+          <a:solidFill>
+            <a:srgbClr val="5B9BD5">
+              <a:alpha val="69804"/>
+            </a:srgbClr>
+          </a:solidFill>
+        </p:spPr>
+        <p:style>
+          <a:lnRef idx="2">
+            <a:schemeClr val="accent1">
+              <a:shade val="50000"/>
+            </a:schemeClr>
+          </a:lnRef>
+          <a:fillRef idx="1">
+            <a:schemeClr val="accent1"/>
+          </a:fillRef>
+          <a:effectRef idx="0">
+            <a:schemeClr val="accent1"/>
+          </a:effectRef>
+          <a:fontRef idx="minor">
+            <a:schemeClr val="lt1"/>
+          </a:fontRef>
+        </p:style>
+        <p:txBody>
+          <a:bodyPr rtlCol="0" anchor="ctr"/>
+          <a:lstStyle/>
+          <a:p>
+            <a:pPr algn="ctr"/>
+            <a:endParaRPr lang="en-US"/>
+          </a:p>
+        </p:txBody>
+      </p:sp>
+      <p:sp>
+        <p:nvSpPr>
+          <p:cNvPr id="10" name="Oval 9"/>
+          <p:cNvSpPr/>
+          <p:nvPr/>
+        </p:nvSpPr>
+        <p:spPr>
+          <a:xfrm>
+            <a:off x="3352366" y="5321147"/>
+            <a:ext cx="495997" cy="45719"/>
+          </a:xfrm>
+          <a:prstGeom prst="ellipse">
+            <a:avLst/>
+          </a:prstGeom>
+          <a:solidFill>
+            <a:srgbClr val="5B9BD5">
+              <a:alpha val="69804"/>
+            </a:srgbClr>
+          </a:solidFill>
+        </p:spPr>
+        <p:style>
+          <a:lnRef idx="2">
+            <a:schemeClr val="accent1">
+              <a:shade val="50000"/>
+            </a:schemeClr>
+          </a:lnRef>
+          <a:fillRef idx="1">
+            <a:schemeClr val="accent1"/>
+          </a:fillRef>
+          <a:effectRef idx="0">
+            <a:schemeClr val="accent1"/>
+          </a:effectRef>
+          <a:fontRef idx="minor">
+            <a:schemeClr val="lt1"/>
+          </a:fontRef>
+        </p:style>
+        <p:txBody>
+          <a:bodyPr rtlCol="0" anchor="ctr"/>
+          <a:lstStyle/>
+          <a:p>
+            <a:pPr algn="ctr"/>
+            <a:endParaRPr lang="en-US"/>
+          </a:p>
+        </p:txBody>
+      </p:sp>
+      <p:sp>
+        <p:nvSpPr>
+          <p:cNvPr id="19" name="TextBox 18"/>
+          <p:cNvSpPr txBox="1"/>
+          <p:nvPr/>
+        </p:nvSpPr>
+        <p:spPr>
+          <a:xfrm>
+            <a:off x="4016360" y="4857105"/>
+            <a:ext cx="1021901" cy="492443"/>
+          </a:xfrm>
+          <a:prstGeom prst="rect">
+            <a:avLst/>
+          </a:prstGeom>
+          <a:solidFill>
+            <a:srgbClr val="FFFFFF">
+              <a:alpha val="69804"/>
+            </a:srgbClr>
+          </a:solidFill>
+        </p:spPr>
+        <p:txBody>
+          <a:bodyPr wrap="square" rtlCol="0">
+            <a:spAutoFit/>
+          </a:bodyPr>
+          <a:lstStyle/>
+          <a:p>
+            <a:r>
+              <a:rPr lang="en-US" sz="1300" dirty="0" smtClean="0"/>
+              <a:t>Winged</a:t>
+            </a:r>
+          </a:p>
+          <a:p>
+            <a:r>
+              <a:rPr lang="en-US" sz="1300" dirty="0"/>
+              <a:t>D</a:t>
+            </a:r>
+            <a:r>
+              <a:rPr lang="en-US" sz="1300" dirty="0" smtClean="0"/>
+              <a:t>ownrange</a:t>
+            </a:r>
+            <a:endParaRPr lang="en-US" sz="1300" dirty="0"/>
+          </a:p>
+        </p:txBody>
+      </p:sp>
+      <p:sp>
+        <p:nvSpPr>
+          <p:cNvPr id="11" name="Oval 10"/>
+          <p:cNvSpPr/>
+          <p:nvPr/>
+        </p:nvSpPr>
+        <p:spPr>
+          <a:xfrm>
+            <a:off x="4497751" y="5316383"/>
+            <a:ext cx="453104" cy="45719"/>
+          </a:xfrm>
+          <a:prstGeom prst="ellipse">
+            <a:avLst/>
+          </a:prstGeom>
+          <a:solidFill>
+            <a:srgbClr val="5B9BD5">
+              <a:alpha val="69804"/>
+            </a:srgbClr>
+          </a:solidFill>
+        </p:spPr>
+        <p:style>
+          <a:lnRef idx="2">
+            <a:schemeClr val="accent1">
+              <a:shade val="50000"/>
+            </a:schemeClr>
+          </a:lnRef>
+          <a:fillRef idx="1">
+            <a:schemeClr val="accent1"/>
+          </a:fillRef>
+          <a:effectRef idx="0">
+            <a:schemeClr val="accent1"/>
+          </a:effectRef>
+          <a:fontRef idx="minor">
+            <a:schemeClr val="lt1"/>
+          </a:fontRef>
+        </p:style>
+        <p:txBody>
+          <a:bodyPr rtlCol="0" anchor="ctr"/>
+          <a:lstStyle/>
+          <a:p>
+            <a:pPr algn="ctr"/>
+            <a:endParaRPr lang="en-US"/>
+          </a:p>
+        </p:txBody>
+      </p:sp>
+      <p:sp>
+        <p:nvSpPr>
+          <p:cNvPr id="9" name="Oval 8"/>
+          <p:cNvSpPr/>
+          <p:nvPr/>
+        </p:nvSpPr>
+        <p:spPr>
+          <a:xfrm>
+            <a:off x="4813187" y="4678675"/>
+            <a:ext cx="607716" cy="356571"/>
+          </a:xfrm>
+          <a:prstGeom prst="ellipse">
+            <a:avLst/>
+          </a:prstGeom>
+          <a:solidFill>
+            <a:srgbClr val="5B9BD5">
+              <a:alpha val="69804"/>
+            </a:srgbClr>
+          </a:solidFill>
+        </p:spPr>
+        <p:style>
+          <a:lnRef idx="2">
+            <a:schemeClr val="accent1">
+              <a:shade val="50000"/>
+            </a:schemeClr>
+          </a:lnRef>
+          <a:fillRef idx="1">
+            <a:schemeClr val="accent1"/>
+          </a:fillRef>
+          <a:effectRef idx="0">
+            <a:schemeClr val="accent1"/>
+          </a:effectRef>
+          <a:fontRef idx="minor">
+            <a:schemeClr val="lt1"/>
+          </a:fontRef>
+        </p:style>
+        <p:txBody>
+          <a:bodyPr rtlCol="0" anchor="ctr"/>
+          <a:lstStyle/>
+          <a:p>
+            <a:pPr algn="ctr"/>
+            <a:endParaRPr lang="en-US"/>
+          </a:p>
+        </p:txBody>
+      </p:sp>
     </p:spTree>
     <p:extLst>
       <p:ext uri="{BB962C8B-B14F-4D97-AF65-F5344CB8AC3E}">
@@ -29748,6 +29826,655 @@
 </file>
 
 <file path=ppt/slides/slide28.xml><?xml version="1.0" encoding="utf-8"?>
+<p:sld xmlns:a="http://schemas.openxmlformats.org/drawingml/2006/main" xmlns:r="http://schemas.openxmlformats.org/officeDocument/2006/relationships" xmlns:p="http://schemas.openxmlformats.org/presentationml/2006/main">
+  <p:cSld>
+    <p:spTree>
+      <p:nvGrpSpPr>
+        <p:cNvPr id="1" name=""/>
+        <p:cNvGrpSpPr/>
+        <p:nvPr/>
+      </p:nvGrpSpPr>
+      <p:grpSpPr>
+        <a:xfrm>
+          <a:off x="0" y="0"/>
+          <a:ext cx="0" cy="0"/>
+          <a:chOff x="0" y="0"/>
+          <a:chExt cx="0" cy="0"/>
+        </a:xfrm>
+      </p:grpSpPr>
+      <p:pic>
+        <p:nvPicPr>
+          <p:cNvPr id="2" name="Picture 1"/>
+          <p:cNvPicPr>
+            <a:picLocks noChangeAspect="1"/>
+          </p:cNvPicPr>
+          <p:nvPr/>
+        </p:nvPicPr>
+        <p:blipFill>
+          <a:blip r:embed="rId2">
+            <a:extLst>
+              <a:ext uri="{28A0092B-C50C-407E-A947-70E740481C1C}">
+                <a14:useLocalDpi xmlns:a14="http://schemas.microsoft.com/office/drawing/2010/main" val="0"/>
+              </a:ext>
+            </a:extLst>
+          </a:blip>
+          <a:stretch>
+            <a:fillRect/>
+          </a:stretch>
+        </p:blipFill>
+        <p:spPr>
+          <a:xfrm>
+            <a:off x="1710549" y="220712"/>
+            <a:ext cx="5722889" cy="5722889"/>
+          </a:xfrm>
+          <a:prstGeom prst="rect">
+            <a:avLst/>
+          </a:prstGeom>
+        </p:spPr>
+      </p:pic>
+      <p:sp>
+        <p:nvSpPr>
+          <p:cNvPr id="4" name="Slide Number Placeholder 3"/>
+          <p:cNvSpPr>
+            <a:spLocks noGrp="1"/>
+          </p:cNvSpPr>
+          <p:nvPr>
+            <p:ph type="sldNum" sz="quarter" idx="12"/>
+          </p:nvPr>
+        </p:nvSpPr>
+        <p:spPr/>
+        <p:txBody>
+          <a:bodyPr/>
+          <a:lstStyle/>
+          <a:p>
+            <a:fld id="{6447B1C5-369C-4919-B399-6646CD3D5833}" type="slidenum">
+              <a:rPr lang="en-US" smtClean="0"/>
+              <a:pPr/>
+              <a:t>28</a:t>
+            </a:fld>
+            <a:endParaRPr lang="en-US" dirty="0"/>
+          </a:p>
+        </p:txBody>
+      </p:sp>
+      <p:sp>
+        <p:nvSpPr>
+          <p:cNvPr id="5" name="Text Placeholder 4"/>
+          <p:cNvSpPr>
+            <a:spLocks noGrp="1"/>
+          </p:cNvSpPr>
+          <p:nvPr>
+            <p:ph type="body" sz="quarter" idx="13"/>
+          </p:nvPr>
+        </p:nvSpPr>
+        <p:spPr/>
+        <p:txBody>
+          <a:bodyPr/>
+          <a:lstStyle/>
+          <a:p>
+            <a:endParaRPr lang="en-US"/>
+          </a:p>
+        </p:txBody>
+      </p:sp>
+      <p:sp>
+        <p:nvSpPr>
+          <p:cNvPr id="15" name="TextBox 14"/>
+          <p:cNvSpPr txBox="1"/>
+          <p:nvPr/>
+        </p:nvSpPr>
+        <p:spPr>
+          <a:xfrm>
+            <a:off x="3740060" y="836781"/>
+            <a:ext cx="1364476" cy="553998"/>
+          </a:xfrm>
+          <a:prstGeom prst="rect">
+            <a:avLst/>
+          </a:prstGeom>
+          <a:solidFill>
+            <a:srgbClr val="FFFFFF">
+              <a:alpha val="69804"/>
+            </a:srgbClr>
+          </a:solidFill>
+        </p:spPr>
+        <p:txBody>
+          <a:bodyPr wrap="none" rtlCol="0">
+            <a:spAutoFit/>
+          </a:bodyPr>
+          <a:lstStyle/>
+          <a:p>
+            <a:r>
+              <a:rPr lang="en-US" sz="1000" dirty="0">
+                <a:latin typeface="DejaVu Sans" panose="020B0603030804020204" pitchFamily="34" charset="0"/>
+                <a:ea typeface="DejaVu Sans" panose="020B0603030804020204" pitchFamily="34" charset="0"/>
+                <a:cs typeface="DejaVu Sans" panose="020B0603030804020204" pitchFamily="34" charset="0"/>
+              </a:rPr>
+              <a:t>Launch </a:t>
+            </a:r>
+            <a:r>
+              <a:rPr lang="en-US" sz="1000" dirty="0" smtClean="0">
+                <a:latin typeface="DejaVu Sans" panose="020B0603030804020204" pitchFamily="34" charset="0"/>
+                <a:ea typeface="DejaVu Sans" panose="020B0603030804020204" pitchFamily="34" charset="0"/>
+                <a:cs typeface="DejaVu Sans" panose="020B0603030804020204" pitchFamily="34" charset="0"/>
+              </a:rPr>
+              <a:t>site</a:t>
+            </a:r>
+          </a:p>
+          <a:p>
+            <a:r>
+              <a:rPr lang="en-US" sz="1000" dirty="0" smtClean="0">
+                <a:latin typeface="DejaVu Sans" panose="020B0603030804020204" pitchFamily="34" charset="0"/>
+                <a:ea typeface="DejaVu Sans" panose="020B0603030804020204" pitchFamily="34" charset="0"/>
+                <a:cs typeface="DejaVu Sans" panose="020B0603030804020204" pitchFamily="34" charset="0"/>
+              </a:rPr>
+              <a:t>Rocket-propelled</a:t>
+            </a:r>
+            <a:endParaRPr lang="en-US" sz="1000" dirty="0">
+              <a:latin typeface="DejaVu Sans" panose="020B0603030804020204" pitchFamily="34" charset="0"/>
+              <a:ea typeface="DejaVu Sans" panose="020B0603030804020204" pitchFamily="34" charset="0"/>
+              <a:cs typeface="DejaVu Sans" panose="020B0603030804020204" pitchFamily="34" charset="0"/>
+            </a:endParaRPr>
+          </a:p>
+          <a:p>
+            <a:r>
+              <a:rPr lang="en-US" sz="1000" dirty="0" smtClean="0">
+                <a:latin typeface="DejaVu Sans" panose="020B0603030804020204" pitchFamily="34" charset="0"/>
+                <a:ea typeface="DejaVu Sans" panose="020B0603030804020204" pitchFamily="34" charset="0"/>
+                <a:cs typeface="DejaVu Sans" panose="020B0603030804020204" pitchFamily="34" charset="0"/>
+              </a:rPr>
+              <a:t>Propulsive landing</a:t>
+            </a:r>
+          </a:p>
+        </p:txBody>
+      </p:sp>
+      <p:sp>
+        <p:nvSpPr>
+          <p:cNvPr id="16" name="TextBox 15"/>
+          <p:cNvSpPr txBox="1"/>
+          <p:nvPr/>
+        </p:nvSpPr>
+        <p:spPr>
+          <a:xfrm>
+            <a:off x="5269346" y="4274033"/>
+            <a:ext cx="1029449" cy="553998"/>
+          </a:xfrm>
+          <a:prstGeom prst="rect">
+            <a:avLst/>
+          </a:prstGeom>
+          <a:solidFill>
+            <a:srgbClr val="FFFFFF">
+              <a:alpha val="69804"/>
+            </a:srgbClr>
+          </a:solidFill>
+        </p:spPr>
+        <p:txBody>
+          <a:bodyPr wrap="none" rtlCol="0">
+            <a:spAutoFit/>
+          </a:bodyPr>
+          <a:lstStyle/>
+          <a:p>
+            <a:r>
+              <a:rPr lang="en-US" sz="1000" dirty="0">
+                <a:latin typeface="DejaVu Sans" panose="020B0603030804020204" pitchFamily="34" charset="0"/>
+                <a:ea typeface="DejaVu Sans" panose="020B0603030804020204" pitchFamily="34" charset="0"/>
+                <a:cs typeface="DejaVu Sans" panose="020B0603030804020204" pitchFamily="34" charset="0"/>
+              </a:rPr>
+              <a:t>Launch </a:t>
+            </a:r>
+            <a:r>
+              <a:rPr lang="en-US" sz="1000" dirty="0" smtClean="0">
+                <a:latin typeface="DejaVu Sans" panose="020B0603030804020204" pitchFamily="34" charset="0"/>
+                <a:ea typeface="DejaVu Sans" panose="020B0603030804020204" pitchFamily="34" charset="0"/>
+                <a:cs typeface="DejaVu Sans" panose="020B0603030804020204" pitchFamily="34" charset="0"/>
+              </a:rPr>
+              <a:t>site</a:t>
+            </a:r>
+          </a:p>
+          <a:p>
+            <a:r>
+              <a:rPr lang="en-US" sz="1000" dirty="0" smtClean="0">
+                <a:latin typeface="DejaVu Sans" panose="020B0603030804020204" pitchFamily="34" charset="0"/>
+                <a:ea typeface="DejaVu Sans" panose="020B0603030804020204" pitchFamily="34" charset="0"/>
+                <a:cs typeface="DejaVu Sans" panose="020B0603030804020204" pitchFamily="34" charset="0"/>
+              </a:rPr>
+              <a:t>Air-breathing</a:t>
+            </a:r>
+            <a:endParaRPr lang="en-US" sz="1000" dirty="0" smtClean="0">
+              <a:latin typeface="DejaVu Sans" panose="020B0603030804020204" pitchFamily="34" charset="0"/>
+              <a:ea typeface="DejaVu Sans" panose="020B0603030804020204" pitchFamily="34" charset="0"/>
+              <a:cs typeface="DejaVu Sans" panose="020B0603030804020204" pitchFamily="34" charset="0"/>
+            </a:endParaRPr>
+          </a:p>
+          <a:p>
+            <a:r>
+              <a:rPr lang="en-US" sz="1000" dirty="0" smtClean="0">
+                <a:latin typeface="DejaVu Sans" panose="020B0603030804020204" pitchFamily="34" charset="0"/>
+                <a:ea typeface="DejaVu Sans" panose="020B0603030804020204" pitchFamily="34" charset="0"/>
+                <a:cs typeface="DejaVu Sans" panose="020B0603030804020204" pitchFamily="34" charset="0"/>
+              </a:rPr>
+              <a:t>Winged</a:t>
+            </a:r>
+          </a:p>
+        </p:txBody>
+      </p:sp>
+      <p:sp>
+        <p:nvSpPr>
+          <p:cNvPr id="20" name="TextBox 19"/>
+          <p:cNvSpPr txBox="1"/>
+          <p:nvPr/>
+        </p:nvSpPr>
+        <p:spPr>
+          <a:xfrm>
+            <a:off x="3162212" y="4970590"/>
+            <a:ext cx="922047" cy="400110"/>
+          </a:xfrm>
+          <a:prstGeom prst="rect">
+            <a:avLst/>
+          </a:prstGeom>
+          <a:solidFill>
+            <a:srgbClr val="FFFFFF">
+              <a:alpha val="69804"/>
+            </a:srgbClr>
+          </a:solidFill>
+        </p:spPr>
+        <p:txBody>
+          <a:bodyPr wrap="none" rtlCol="0">
+            <a:spAutoFit/>
+          </a:bodyPr>
+          <a:lstStyle/>
+          <a:p>
+            <a:r>
+              <a:rPr lang="en-US" sz="1000" dirty="0" smtClean="0">
+                <a:latin typeface="DejaVu Sans" panose="020B0603030804020204" pitchFamily="34" charset="0"/>
+                <a:ea typeface="DejaVu Sans" panose="020B0603030804020204" pitchFamily="34" charset="0"/>
+                <a:cs typeface="DejaVu Sans" panose="020B0603030804020204" pitchFamily="34" charset="0"/>
+              </a:rPr>
+              <a:t>Downrange</a:t>
+            </a:r>
+          </a:p>
+          <a:p>
+            <a:r>
+              <a:rPr lang="en-US" sz="1000" dirty="0" smtClean="0">
+                <a:latin typeface="DejaVu Sans" panose="020B0603030804020204" pitchFamily="34" charset="0"/>
+                <a:ea typeface="DejaVu Sans" panose="020B0603030804020204" pitchFamily="34" charset="0"/>
+                <a:cs typeface="DejaVu Sans" panose="020B0603030804020204" pitchFamily="34" charset="0"/>
+              </a:rPr>
+              <a:t>Parachute</a:t>
+            </a:r>
+            <a:endParaRPr lang="en-US" sz="1000" dirty="0">
+              <a:latin typeface="DejaVu Sans" panose="020B0603030804020204" pitchFamily="34" charset="0"/>
+              <a:ea typeface="DejaVu Sans" panose="020B0603030804020204" pitchFamily="34" charset="0"/>
+              <a:cs typeface="DejaVu Sans" panose="020B0603030804020204" pitchFamily="34" charset="0"/>
+            </a:endParaRPr>
+          </a:p>
+        </p:txBody>
+      </p:sp>
+      <p:sp>
+        <p:nvSpPr>
+          <p:cNvPr id="58" name="TextBox 57"/>
+          <p:cNvSpPr txBox="1"/>
+          <p:nvPr/>
+        </p:nvSpPr>
+        <p:spPr>
+          <a:xfrm>
+            <a:off x="3713672" y="3930736"/>
+            <a:ext cx="1364476" cy="400110"/>
+          </a:xfrm>
+          <a:prstGeom prst="rect">
+            <a:avLst/>
+          </a:prstGeom>
+          <a:solidFill>
+            <a:srgbClr val="FFFFFF">
+              <a:alpha val="69804"/>
+            </a:srgbClr>
+          </a:solidFill>
+        </p:spPr>
+        <p:txBody>
+          <a:bodyPr wrap="none" rtlCol="0">
+            <a:spAutoFit/>
+          </a:bodyPr>
+          <a:lstStyle/>
+          <a:p>
+            <a:r>
+              <a:rPr lang="en-US" sz="1000" dirty="0" smtClean="0">
+                <a:latin typeface="DejaVu Sans" panose="020B0603030804020204" pitchFamily="34" charset="0"/>
+                <a:ea typeface="DejaVu Sans" panose="020B0603030804020204" pitchFamily="34" charset="0"/>
+                <a:cs typeface="DejaVu Sans" panose="020B0603030804020204" pitchFamily="34" charset="0"/>
+              </a:rPr>
+              <a:t>Downrange</a:t>
+            </a:r>
+          </a:p>
+          <a:p>
+            <a:r>
+              <a:rPr lang="en-US" sz="1000" dirty="0">
+                <a:latin typeface="DejaVu Sans" panose="020B0603030804020204" pitchFamily="34" charset="0"/>
+                <a:ea typeface="DejaVu Sans" panose="020B0603030804020204" pitchFamily="34" charset="0"/>
+                <a:cs typeface="DejaVu Sans" panose="020B0603030804020204" pitchFamily="34" charset="0"/>
+              </a:rPr>
+              <a:t>Propulsive </a:t>
+            </a:r>
+            <a:r>
+              <a:rPr lang="en-US" sz="1000" dirty="0" smtClean="0">
+                <a:latin typeface="DejaVu Sans" panose="020B0603030804020204" pitchFamily="34" charset="0"/>
+                <a:ea typeface="DejaVu Sans" panose="020B0603030804020204" pitchFamily="34" charset="0"/>
+                <a:cs typeface="DejaVu Sans" panose="020B0603030804020204" pitchFamily="34" charset="0"/>
+              </a:rPr>
+              <a:t>landing</a:t>
+            </a:r>
+            <a:endParaRPr lang="en-US" sz="1000" dirty="0">
+              <a:latin typeface="DejaVu Sans" panose="020B0603030804020204" pitchFamily="34" charset="0"/>
+              <a:ea typeface="DejaVu Sans" panose="020B0603030804020204" pitchFamily="34" charset="0"/>
+              <a:cs typeface="DejaVu Sans" panose="020B0603030804020204" pitchFamily="34" charset="0"/>
+            </a:endParaRPr>
+          </a:p>
+        </p:txBody>
+      </p:sp>
+      <p:sp>
+        <p:nvSpPr>
+          <p:cNvPr id="57" name="Oval 56"/>
+          <p:cNvSpPr/>
+          <p:nvPr/>
+        </p:nvSpPr>
+        <p:spPr>
+          <a:xfrm>
+            <a:off x="3446962" y="4080757"/>
+            <a:ext cx="333986" cy="809698"/>
+          </a:xfrm>
+          <a:prstGeom prst="ellipse">
+            <a:avLst/>
+          </a:prstGeom>
+          <a:solidFill>
+            <a:srgbClr val="5B9BD5">
+              <a:alpha val="69804"/>
+            </a:srgbClr>
+          </a:solidFill>
+        </p:spPr>
+        <p:style>
+          <a:lnRef idx="2">
+            <a:schemeClr val="accent1">
+              <a:shade val="50000"/>
+            </a:schemeClr>
+          </a:lnRef>
+          <a:fillRef idx="1">
+            <a:schemeClr val="accent1"/>
+          </a:fillRef>
+          <a:effectRef idx="0">
+            <a:schemeClr val="accent1"/>
+          </a:effectRef>
+          <a:fontRef idx="minor">
+            <a:schemeClr val="lt1"/>
+          </a:fontRef>
+        </p:style>
+        <p:txBody>
+          <a:bodyPr rtlCol="0" anchor="ctr"/>
+          <a:lstStyle/>
+          <a:p>
+            <a:pPr algn="ctr"/>
+            <a:endParaRPr lang="en-US"/>
+          </a:p>
+        </p:txBody>
+      </p:sp>
+      <p:sp>
+        <p:nvSpPr>
+          <p:cNvPr id="8" name="Oval 7"/>
+          <p:cNvSpPr/>
+          <p:nvPr/>
+        </p:nvSpPr>
+        <p:spPr>
+          <a:xfrm>
+            <a:off x="3446962" y="821589"/>
+            <a:ext cx="333986" cy="1172749"/>
+          </a:xfrm>
+          <a:prstGeom prst="ellipse">
+            <a:avLst/>
+          </a:prstGeom>
+          <a:solidFill>
+            <a:srgbClr val="5B9BD5">
+              <a:alpha val="69804"/>
+            </a:srgbClr>
+          </a:solidFill>
+        </p:spPr>
+        <p:style>
+          <a:lnRef idx="2">
+            <a:schemeClr val="accent1">
+              <a:shade val="50000"/>
+            </a:schemeClr>
+          </a:lnRef>
+          <a:fillRef idx="1">
+            <a:schemeClr val="accent1"/>
+          </a:fillRef>
+          <a:effectRef idx="0">
+            <a:schemeClr val="accent1"/>
+          </a:effectRef>
+          <a:fontRef idx="minor">
+            <a:schemeClr val="lt1"/>
+          </a:fontRef>
+        </p:style>
+        <p:txBody>
+          <a:bodyPr rtlCol="0" anchor="ctr"/>
+          <a:lstStyle/>
+          <a:p>
+            <a:pPr algn="ctr"/>
+            <a:endParaRPr lang="en-US"/>
+          </a:p>
+        </p:txBody>
+      </p:sp>
+      <p:sp>
+        <p:nvSpPr>
+          <p:cNvPr id="10" name="Oval 9"/>
+          <p:cNvSpPr/>
+          <p:nvPr/>
+        </p:nvSpPr>
+        <p:spPr>
+          <a:xfrm>
+            <a:off x="3352366" y="5321147"/>
+            <a:ext cx="495997" cy="45719"/>
+          </a:xfrm>
+          <a:prstGeom prst="ellipse">
+            <a:avLst/>
+          </a:prstGeom>
+          <a:solidFill>
+            <a:srgbClr val="5B9BD5">
+              <a:alpha val="69804"/>
+            </a:srgbClr>
+          </a:solidFill>
+        </p:spPr>
+        <p:style>
+          <a:lnRef idx="2">
+            <a:schemeClr val="accent1">
+              <a:shade val="50000"/>
+            </a:schemeClr>
+          </a:lnRef>
+          <a:fillRef idx="1">
+            <a:schemeClr val="accent1"/>
+          </a:fillRef>
+          <a:effectRef idx="0">
+            <a:schemeClr val="accent1"/>
+          </a:effectRef>
+          <a:fontRef idx="minor">
+            <a:schemeClr val="lt1"/>
+          </a:fontRef>
+        </p:style>
+        <p:txBody>
+          <a:bodyPr rtlCol="0" anchor="ctr"/>
+          <a:lstStyle/>
+          <a:p>
+            <a:pPr algn="ctr"/>
+            <a:endParaRPr lang="en-US"/>
+          </a:p>
+        </p:txBody>
+      </p:sp>
+      <p:sp>
+        <p:nvSpPr>
+          <p:cNvPr id="19" name="TextBox 18"/>
+          <p:cNvSpPr txBox="1"/>
+          <p:nvPr/>
+        </p:nvSpPr>
+        <p:spPr>
+          <a:xfrm>
+            <a:off x="3961178" y="4817697"/>
+            <a:ext cx="1021901" cy="553998"/>
+          </a:xfrm>
+          <a:prstGeom prst="rect">
+            <a:avLst/>
+          </a:prstGeom>
+          <a:solidFill>
+            <a:srgbClr val="FFFFFF">
+              <a:alpha val="69804"/>
+            </a:srgbClr>
+          </a:solidFill>
+        </p:spPr>
+        <p:txBody>
+          <a:bodyPr wrap="square" rtlCol="0">
+            <a:spAutoFit/>
+          </a:bodyPr>
+          <a:lstStyle/>
+          <a:p>
+            <a:r>
+              <a:rPr lang="en-US" sz="1000" dirty="0" smtClean="0">
+                <a:latin typeface="DejaVu Sans" panose="020B0603030804020204" pitchFamily="34" charset="0"/>
+                <a:ea typeface="DejaVu Sans" panose="020B0603030804020204" pitchFamily="34" charset="0"/>
+                <a:cs typeface="DejaVu Sans" panose="020B0603030804020204" pitchFamily="34" charset="0"/>
+              </a:rPr>
+              <a:t>Downrange</a:t>
+            </a:r>
+          </a:p>
+          <a:p>
+            <a:r>
+              <a:rPr lang="en-US" sz="1000" dirty="0" smtClean="0">
+                <a:latin typeface="DejaVu Sans" panose="020B0603030804020204" pitchFamily="34" charset="0"/>
+                <a:ea typeface="DejaVu Sans" panose="020B0603030804020204" pitchFamily="34" charset="0"/>
+                <a:cs typeface="DejaVu Sans" panose="020B0603030804020204" pitchFamily="34" charset="0"/>
+              </a:rPr>
+              <a:t>Glider</a:t>
+            </a:r>
+            <a:endParaRPr lang="en-US" sz="1000" dirty="0" smtClean="0">
+              <a:latin typeface="DejaVu Sans" panose="020B0603030804020204" pitchFamily="34" charset="0"/>
+              <a:ea typeface="DejaVu Sans" panose="020B0603030804020204" pitchFamily="34" charset="0"/>
+              <a:cs typeface="DejaVu Sans" panose="020B0603030804020204" pitchFamily="34" charset="0"/>
+            </a:endParaRPr>
+          </a:p>
+          <a:p>
+            <a:r>
+              <a:rPr lang="en-US" sz="1000" dirty="0" smtClean="0">
+                <a:latin typeface="DejaVu Sans" panose="020B0603030804020204" pitchFamily="34" charset="0"/>
+                <a:ea typeface="DejaVu Sans" panose="020B0603030804020204" pitchFamily="34" charset="0"/>
+                <a:cs typeface="DejaVu Sans" panose="020B0603030804020204" pitchFamily="34" charset="0"/>
+              </a:rPr>
+              <a:t>Winged</a:t>
+            </a:r>
+          </a:p>
+        </p:txBody>
+      </p:sp>
+      <p:sp>
+        <p:nvSpPr>
+          <p:cNvPr id="11" name="Oval 10"/>
+          <p:cNvSpPr/>
+          <p:nvPr/>
+        </p:nvSpPr>
+        <p:spPr>
+          <a:xfrm>
+            <a:off x="4497750" y="5316383"/>
+            <a:ext cx="618159" cy="50483"/>
+          </a:xfrm>
+          <a:prstGeom prst="ellipse">
+            <a:avLst/>
+          </a:prstGeom>
+          <a:solidFill>
+            <a:srgbClr val="5B9BD5">
+              <a:alpha val="69804"/>
+            </a:srgbClr>
+          </a:solidFill>
+        </p:spPr>
+        <p:style>
+          <a:lnRef idx="2">
+            <a:schemeClr val="accent1">
+              <a:shade val="50000"/>
+            </a:schemeClr>
+          </a:lnRef>
+          <a:fillRef idx="1">
+            <a:schemeClr val="accent1"/>
+          </a:fillRef>
+          <a:effectRef idx="0">
+            <a:schemeClr val="accent1"/>
+          </a:effectRef>
+          <a:fontRef idx="minor">
+            <a:schemeClr val="lt1"/>
+          </a:fontRef>
+        </p:style>
+        <p:txBody>
+          <a:bodyPr rtlCol="0" anchor="ctr"/>
+          <a:lstStyle/>
+          <a:p>
+            <a:pPr algn="ctr"/>
+            <a:endParaRPr lang="en-US"/>
+          </a:p>
+        </p:txBody>
+      </p:sp>
+      <p:sp>
+        <p:nvSpPr>
+          <p:cNvPr id="9" name="Oval 8"/>
+          <p:cNvSpPr/>
+          <p:nvPr/>
+        </p:nvSpPr>
+        <p:spPr>
+          <a:xfrm>
+            <a:off x="4813187" y="4678675"/>
+            <a:ext cx="607716" cy="356571"/>
+          </a:xfrm>
+          <a:prstGeom prst="ellipse">
+            <a:avLst/>
+          </a:prstGeom>
+          <a:solidFill>
+            <a:srgbClr val="5B9BD5">
+              <a:alpha val="69804"/>
+            </a:srgbClr>
+          </a:solidFill>
+        </p:spPr>
+        <p:style>
+          <a:lnRef idx="2">
+            <a:schemeClr val="accent1">
+              <a:shade val="50000"/>
+            </a:schemeClr>
+          </a:lnRef>
+          <a:fillRef idx="1">
+            <a:schemeClr val="accent1"/>
+          </a:fillRef>
+          <a:effectRef idx="0">
+            <a:schemeClr val="accent1"/>
+          </a:effectRef>
+          <a:fontRef idx="minor">
+            <a:schemeClr val="lt1"/>
+          </a:fontRef>
+        </p:style>
+        <p:txBody>
+          <a:bodyPr rtlCol="0" anchor="ctr"/>
+          <a:lstStyle/>
+          <a:p>
+            <a:pPr algn="ctr"/>
+            <a:endParaRPr lang="en-US"/>
+          </a:p>
+        </p:txBody>
+      </p:sp>
+    </p:spTree>
+    <p:extLst>
+      <p:ext uri="{BB962C8B-B14F-4D97-AF65-F5344CB8AC3E}">
+        <p14:creationId xmlns:p14="http://schemas.microsoft.com/office/powerpoint/2010/main" val="2680046971"/>
+      </p:ext>
+    </p:extLst>
+  </p:cSld>
+  <p:clrMapOvr>
+    <a:masterClrMapping/>
+  </p:clrMapOvr>
+  <p:timing>
+    <p:tnLst>
+      <p:par>
+        <p:cTn id="1" dur="indefinite" restart="never" nodeType="tmRoot"/>
+      </p:par>
+    </p:tnLst>
+  </p:timing>
+</p:sld>
+</file>
+
+<file path=ppt/slides/slide29.xml><?xml version="1.0" encoding="utf-8"?>
 <p:sld xmlns:a="http://schemas.openxmlformats.org/drawingml/2006/main" xmlns:r="http://schemas.openxmlformats.org/officeDocument/2006/relationships" xmlns:p="http://schemas.openxmlformats.org/presentationml/2006/main">
   <p:cSld>
     <p:spTree>
@@ -30040,7 +30767,7 @@
             <a:fld id="{6447B1C5-369C-4919-B399-6646CD3D5833}" type="slidenum">
               <a:rPr lang="en-US" smtClean="0"/>
               <a:pPr/>
-              <a:t>28</a:t>
+              <a:t>29</a:t>
             </a:fld>
             <a:endParaRPr lang="en-US" dirty="0"/>
           </a:p>
@@ -30069,357 +30796,6 @@
     <p:extLst>
       <p:ext uri="{BB962C8B-B14F-4D97-AF65-F5344CB8AC3E}">
         <p14:creationId xmlns:p14="http://schemas.microsoft.com/office/powerpoint/2010/main" val="3372893601"/>
-      </p:ext>
-    </p:extLst>
-  </p:cSld>
-  <p:clrMapOvr>
-    <a:masterClrMapping/>
-  </p:clrMapOvr>
-  <p:timing>
-    <p:tnLst>
-      <p:par>
-        <p:cTn id="1" dur="indefinite" restart="never" nodeType="tmRoot"/>
-      </p:par>
-    </p:tnLst>
-  </p:timing>
-</p:sld>
-</file>
-
-<file path=ppt/slides/slide29.xml><?xml version="1.0" encoding="utf-8"?>
-<p:sld xmlns:a="http://schemas.openxmlformats.org/drawingml/2006/main" xmlns:r="http://schemas.openxmlformats.org/officeDocument/2006/relationships" xmlns:p="http://schemas.openxmlformats.org/presentationml/2006/main">
-  <p:cSld>
-    <p:spTree>
-      <p:nvGrpSpPr>
-        <p:cNvPr id="1" name=""/>
-        <p:cNvGrpSpPr/>
-        <p:nvPr/>
-      </p:nvGrpSpPr>
-      <p:grpSpPr>
-        <a:xfrm>
-          <a:off x="0" y="0"/>
-          <a:ext cx="0" cy="0"/>
-          <a:chOff x="0" y="0"/>
-          <a:chExt cx="0" cy="0"/>
-        </a:xfrm>
-      </p:grpSpPr>
-      <p:sp>
-        <p:nvSpPr>
-          <p:cNvPr id="4" name="Slide Number Placeholder 3"/>
-          <p:cNvSpPr>
-            <a:spLocks noGrp="1"/>
-          </p:cNvSpPr>
-          <p:nvPr>
-            <p:ph type="sldNum" sz="quarter" idx="12"/>
-          </p:nvPr>
-        </p:nvSpPr>
-        <p:spPr/>
-        <p:txBody>
-          <a:bodyPr/>
-          <a:lstStyle/>
-          <a:p>
-            <a:fld id="{6447B1C5-369C-4919-B399-6646CD3D5833}" type="slidenum">
-              <a:rPr lang="en-US" smtClean="0"/>
-              <a:pPr/>
-              <a:t>29</a:t>
-            </a:fld>
-            <a:endParaRPr lang="en-US" dirty="0"/>
-          </a:p>
-        </p:txBody>
-      </p:sp>
-      <p:sp>
-        <p:nvSpPr>
-          <p:cNvPr id="5" name="Text Placeholder 4"/>
-          <p:cNvSpPr>
-            <a:spLocks noGrp="1"/>
-          </p:cNvSpPr>
-          <p:nvPr>
-            <p:ph type="body" sz="quarter" idx="13"/>
-          </p:nvPr>
-        </p:nvSpPr>
-        <p:spPr/>
-        <p:txBody>
-          <a:bodyPr/>
-          <a:lstStyle/>
-          <a:p>
-            <a:endParaRPr lang="en-US"/>
-          </a:p>
-        </p:txBody>
-      </p:sp>
-      <p:pic>
-        <p:nvPicPr>
-          <p:cNvPr id="6" name="Picture 5"/>
-          <p:cNvPicPr>
-            <a:picLocks noChangeAspect="1"/>
-          </p:cNvPicPr>
-          <p:nvPr/>
-        </p:nvPicPr>
-        <p:blipFill>
-          <a:blip r:embed="rId2">
-            <a:extLst>
-              <a:ext uri="{28A0092B-C50C-407E-A947-70E740481C1C}">
-                <a14:useLocalDpi xmlns:a14="http://schemas.microsoft.com/office/drawing/2010/main" val="0"/>
-              </a:ext>
-            </a:extLst>
-          </a:blip>
-          <a:stretch>
-            <a:fillRect/>
-          </a:stretch>
-        </p:blipFill>
-        <p:spPr>
-          <a:xfrm>
-            <a:off x="201930" y="690372"/>
-            <a:ext cx="8768080" cy="5260848"/>
-          </a:xfrm>
-          <a:prstGeom prst="rect">
-            <a:avLst/>
-          </a:prstGeom>
-        </p:spPr>
-      </p:pic>
-      <p:pic>
-        <p:nvPicPr>
-          <p:cNvPr id="7" name="Picture 6"/>
-          <p:cNvPicPr>
-            <a:picLocks noChangeAspect="1"/>
-          </p:cNvPicPr>
-          <p:nvPr/>
-        </p:nvPicPr>
-        <p:blipFill rotWithShape="1">
-          <a:blip r:embed="rId3">
-            <a:extLst>
-              <a:ext uri="{28A0092B-C50C-407E-A947-70E740481C1C}">
-                <a14:useLocalDpi xmlns:a14="http://schemas.microsoft.com/office/drawing/2010/main" val="0"/>
-              </a:ext>
-            </a:extLst>
-          </a:blip>
-          <a:srcRect l="13516" t="85381" r="81354"/>
-          <a:stretch/>
-        </p:blipFill>
-        <p:spPr>
-          <a:xfrm>
-            <a:off x="2660333" y="3883424"/>
-            <a:ext cx="426720" cy="594496"/>
-          </a:xfrm>
-          <a:prstGeom prst="rect">
-            <a:avLst/>
-          </a:prstGeom>
-        </p:spPr>
-      </p:pic>
-      <p:pic>
-        <p:nvPicPr>
-          <p:cNvPr id="8" name="Picture 7"/>
-          <p:cNvPicPr>
-            <a:picLocks noChangeAspect="1"/>
-          </p:cNvPicPr>
-          <p:nvPr/>
-        </p:nvPicPr>
-        <p:blipFill rotWithShape="1">
-          <a:blip r:embed="rId3">
-            <a:extLst>
-              <a:ext uri="{28A0092B-C50C-407E-A947-70E740481C1C}">
-                <a14:useLocalDpi xmlns:a14="http://schemas.microsoft.com/office/drawing/2010/main" val="0"/>
-              </a:ext>
-            </a:extLst>
-          </a:blip>
-          <a:srcRect l="17639" t="85381" r="74575" b="1655"/>
-          <a:stretch/>
-        </p:blipFill>
-        <p:spPr>
-          <a:xfrm>
-            <a:off x="3335655" y="3883424"/>
-            <a:ext cx="647700" cy="527168"/>
-          </a:xfrm>
-          <a:prstGeom prst="rect">
-            <a:avLst/>
-          </a:prstGeom>
-        </p:spPr>
-      </p:pic>
-      <p:pic>
-        <p:nvPicPr>
-          <p:cNvPr id="9" name="Picture 8"/>
-          <p:cNvPicPr>
-            <a:picLocks noChangeAspect="1"/>
-          </p:cNvPicPr>
-          <p:nvPr/>
-        </p:nvPicPr>
-        <p:blipFill rotWithShape="1">
-          <a:blip r:embed="rId3">
-            <a:extLst>
-              <a:ext uri="{28A0092B-C50C-407E-A947-70E740481C1C}">
-                <a14:useLocalDpi xmlns:a14="http://schemas.microsoft.com/office/drawing/2010/main" val="0"/>
-              </a:ext>
-            </a:extLst>
-          </a:blip>
-          <a:srcRect l="17639" t="85381" r="74575" b="1655"/>
-          <a:stretch/>
-        </p:blipFill>
-        <p:spPr>
-          <a:xfrm>
-            <a:off x="4187825" y="3871096"/>
-            <a:ext cx="647700" cy="527168"/>
-          </a:xfrm>
-          <a:prstGeom prst="rect">
-            <a:avLst/>
-          </a:prstGeom>
-        </p:spPr>
-      </p:pic>
-      <p:pic>
-        <p:nvPicPr>
-          <p:cNvPr id="10" name="Picture 9"/>
-          <p:cNvPicPr>
-            <a:picLocks noChangeAspect="1"/>
-          </p:cNvPicPr>
-          <p:nvPr/>
-        </p:nvPicPr>
-        <p:blipFill rotWithShape="1">
-          <a:blip r:embed="rId3">
-            <a:extLst>
-              <a:ext uri="{28A0092B-C50C-407E-A947-70E740481C1C}">
-                <a14:useLocalDpi xmlns:a14="http://schemas.microsoft.com/office/drawing/2010/main" val="0"/>
-              </a:ext>
-            </a:extLst>
-          </a:blip>
-          <a:srcRect l="62709" t="85381" r="31337" b="1655"/>
-          <a:stretch/>
-        </p:blipFill>
-        <p:spPr>
-          <a:xfrm>
-            <a:off x="5168900" y="3871096"/>
-            <a:ext cx="495300" cy="527168"/>
-          </a:xfrm>
-          <a:prstGeom prst="rect">
-            <a:avLst/>
-          </a:prstGeom>
-        </p:spPr>
-      </p:pic>
-      <p:pic>
-        <p:nvPicPr>
-          <p:cNvPr id="11" name="Picture 10"/>
-          <p:cNvPicPr>
-            <a:picLocks noChangeAspect="1"/>
-          </p:cNvPicPr>
-          <p:nvPr/>
-        </p:nvPicPr>
-        <p:blipFill rotWithShape="1">
-          <a:blip r:embed="rId3">
-            <a:extLst>
-              <a:ext uri="{28A0092B-C50C-407E-A947-70E740481C1C}">
-                <a14:useLocalDpi xmlns:a14="http://schemas.microsoft.com/office/drawing/2010/main" val="0"/>
-              </a:ext>
-            </a:extLst>
-          </a:blip>
-          <a:srcRect l="90878" t="85381" r="1611" b="1655"/>
-          <a:stretch/>
-        </p:blipFill>
-        <p:spPr>
-          <a:xfrm>
-            <a:off x="6073140" y="3871096"/>
-            <a:ext cx="624840" cy="527168"/>
-          </a:xfrm>
-          <a:prstGeom prst="rect">
-            <a:avLst/>
-          </a:prstGeom>
-        </p:spPr>
-      </p:pic>
-      <p:pic>
-        <p:nvPicPr>
-          <p:cNvPr id="12" name="Picture 11"/>
-          <p:cNvPicPr>
-            <a:picLocks noChangeAspect="1"/>
-          </p:cNvPicPr>
-          <p:nvPr/>
-        </p:nvPicPr>
-        <p:blipFill rotWithShape="1">
-          <a:blip r:embed="rId3">
-            <a:extLst>
-              <a:ext uri="{28A0092B-C50C-407E-A947-70E740481C1C}">
-                <a14:useLocalDpi xmlns:a14="http://schemas.microsoft.com/office/drawing/2010/main" val="0"/>
-              </a:ext>
-            </a:extLst>
-          </a:blip>
-          <a:srcRect l="69674" t="55657" r="24464" b="31075"/>
-          <a:stretch/>
-        </p:blipFill>
-        <p:spPr>
-          <a:xfrm>
-            <a:off x="7037070" y="3871096"/>
-            <a:ext cx="487680" cy="539496"/>
-          </a:xfrm>
-          <a:prstGeom prst="rect">
-            <a:avLst/>
-          </a:prstGeom>
-        </p:spPr>
-      </p:pic>
-      <p:pic>
-        <p:nvPicPr>
-          <p:cNvPr id="13" name="Picture 12"/>
-          <p:cNvPicPr>
-            <a:picLocks noChangeAspect="1"/>
-          </p:cNvPicPr>
-          <p:nvPr/>
-        </p:nvPicPr>
-        <p:blipFill rotWithShape="1">
-          <a:blip r:embed="rId3">
-            <a:extLst>
-              <a:ext uri="{28A0092B-C50C-407E-A947-70E740481C1C}">
-                <a14:useLocalDpi xmlns:a14="http://schemas.microsoft.com/office/drawing/2010/main" val="0"/>
-              </a:ext>
-            </a:extLst>
-          </a:blip>
-          <a:srcRect l="69674" t="55657" r="24464" b="31075"/>
-          <a:stretch/>
-        </p:blipFill>
-        <p:spPr>
-          <a:xfrm>
-            <a:off x="7995920" y="3871096"/>
-            <a:ext cx="487680" cy="539496"/>
-          </a:xfrm>
-          <a:prstGeom prst="rect">
-            <a:avLst/>
-          </a:prstGeom>
-        </p:spPr>
-      </p:pic>
-      <p:sp>
-        <p:nvSpPr>
-          <p:cNvPr id="14" name="TextBox 13"/>
-          <p:cNvSpPr txBox="1"/>
-          <p:nvPr/>
-        </p:nvSpPr>
-        <p:spPr>
-          <a:xfrm>
-            <a:off x="7792830" y="998220"/>
-            <a:ext cx="1381540" cy="553998"/>
-          </a:xfrm>
-          <a:prstGeom prst="rect">
-            <a:avLst/>
-          </a:prstGeom>
-          <a:noFill/>
-        </p:spPr>
-        <p:txBody>
-          <a:bodyPr wrap="square" rtlCol="0">
-            <a:spAutoFit/>
-          </a:bodyPr>
-          <a:lstStyle/>
-          <a:p>
-            <a:r>
-              <a:rPr lang="en-US" sz="1000" dirty="0" smtClean="0">
-                <a:solidFill>
-                  <a:srgbClr val="FF0000"/>
-                </a:solidFill>
-              </a:rPr>
-              <a:t>TODO shouldn’t extend above max. expendable</a:t>
-            </a:r>
-            <a:endParaRPr lang="en-US" sz="1000" dirty="0">
-              <a:solidFill>
-                <a:srgbClr val="FF0000"/>
-              </a:solidFill>
-            </a:endParaRPr>
-          </a:p>
-        </p:txBody>
-      </p:sp>
-    </p:spTree>
-    <p:extLst>
-      <p:ext uri="{BB962C8B-B14F-4D97-AF65-F5344CB8AC3E}">
-        <p14:creationId xmlns:p14="http://schemas.microsoft.com/office/powerpoint/2010/main" val="3526282669"/>
       </p:ext>
     </p:extLst>
   </p:cSld>
@@ -30545,6 +30921,357 @@
       </p:grpSpPr>
       <p:sp>
         <p:nvSpPr>
+          <p:cNvPr id="4" name="Slide Number Placeholder 3"/>
+          <p:cNvSpPr>
+            <a:spLocks noGrp="1"/>
+          </p:cNvSpPr>
+          <p:nvPr>
+            <p:ph type="sldNum" sz="quarter" idx="12"/>
+          </p:nvPr>
+        </p:nvSpPr>
+        <p:spPr/>
+        <p:txBody>
+          <a:bodyPr/>
+          <a:lstStyle/>
+          <a:p>
+            <a:fld id="{6447B1C5-369C-4919-B399-6646CD3D5833}" type="slidenum">
+              <a:rPr lang="en-US" smtClean="0"/>
+              <a:pPr/>
+              <a:t>30</a:t>
+            </a:fld>
+            <a:endParaRPr lang="en-US" dirty="0"/>
+          </a:p>
+        </p:txBody>
+      </p:sp>
+      <p:sp>
+        <p:nvSpPr>
+          <p:cNvPr id="5" name="Text Placeholder 4"/>
+          <p:cNvSpPr>
+            <a:spLocks noGrp="1"/>
+          </p:cNvSpPr>
+          <p:nvPr>
+            <p:ph type="body" sz="quarter" idx="13"/>
+          </p:nvPr>
+        </p:nvSpPr>
+        <p:spPr/>
+        <p:txBody>
+          <a:bodyPr/>
+          <a:lstStyle/>
+          <a:p>
+            <a:endParaRPr lang="en-US"/>
+          </a:p>
+        </p:txBody>
+      </p:sp>
+      <p:pic>
+        <p:nvPicPr>
+          <p:cNvPr id="6" name="Picture 5"/>
+          <p:cNvPicPr>
+            <a:picLocks noChangeAspect="1"/>
+          </p:cNvPicPr>
+          <p:nvPr/>
+        </p:nvPicPr>
+        <p:blipFill>
+          <a:blip r:embed="rId2">
+            <a:extLst>
+              <a:ext uri="{28A0092B-C50C-407E-A947-70E740481C1C}">
+                <a14:useLocalDpi xmlns:a14="http://schemas.microsoft.com/office/drawing/2010/main" val="0"/>
+              </a:ext>
+            </a:extLst>
+          </a:blip>
+          <a:stretch>
+            <a:fillRect/>
+          </a:stretch>
+        </p:blipFill>
+        <p:spPr>
+          <a:xfrm>
+            <a:off x="201930" y="690372"/>
+            <a:ext cx="8768080" cy="5260848"/>
+          </a:xfrm>
+          <a:prstGeom prst="rect">
+            <a:avLst/>
+          </a:prstGeom>
+        </p:spPr>
+      </p:pic>
+      <p:pic>
+        <p:nvPicPr>
+          <p:cNvPr id="7" name="Picture 6"/>
+          <p:cNvPicPr>
+            <a:picLocks noChangeAspect="1"/>
+          </p:cNvPicPr>
+          <p:nvPr/>
+        </p:nvPicPr>
+        <p:blipFill rotWithShape="1">
+          <a:blip r:embed="rId3">
+            <a:extLst>
+              <a:ext uri="{28A0092B-C50C-407E-A947-70E740481C1C}">
+                <a14:useLocalDpi xmlns:a14="http://schemas.microsoft.com/office/drawing/2010/main" val="0"/>
+              </a:ext>
+            </a:extLst>
+          </a:blip>
+          <a:srcRect l="13516" t="85381" r="81354"/>
+          <a:stretch/>
+        </p:blipFill>
+        <p:spPr>
+          <a:xfrm>
+            <a:off x="2660333" y="3883424"/>
+            <a:ext cx="426720" cy="594496"/>
+          </a:xfrm>
+          <a:prstGeom prst="rect">
+            <a:avLst/>
+          </a:prstGeom>
+        </p:spPr>
+      </p:pic>
+      <p:pic>
+        <p:nvPicPr>
+          <p:cNvPr id="8" name="Picture 7"/>
+          <p:cNvPicPr>
+            <a:picLocks noChangeAspect="1"/>
+          </p:cNvPicPr>
+          <p:nvPr/>
+        </p:nvPicPr>
+        <p:blipFill rotWithShape="1">
+          <a:blip r:embed="rId3">
+            <a:extLst>
+              <a:ext uri="{28A0092B-C50C-407E-A947-70E740481C1C}">
+                <a14:useLocalDpi xmlns:a14="http://schemas.microsoft.com/office/drawing/2010/main" val="0"/>
+              </a:ext>
+            </a:extLst>
+          </a:blip>
+          <a:srcRect l="17639" t="85381" r="74575" b="1655"/>
+          <a:stretch/>
+        </p:blipFill>
+        <p:spPr>
+          <a:xfrm>
+            <a:off x="3335655" y="3883424"/>
+            <a:ext cx="647700" cy="527168"/>
+          </a:xfrm>
+          <a:prstGeom prst="rect">
+            <a:avLst/>
+          </a:prstGeom>
+        </p:spPr>
+      </p:pic>
+      <p:pic>
+        <p:nvPicPr>
+          <p:cNvPr id="9" name="Picture 8"/>
+          <p:cNvPicPr>
+            <a:picLocks noChangeAspect="1"/>
+          </p:cNvPicPr>
+          <p:nvPr/>
+        </p:nvPicPr>
+        <p:blipFill rotWithShape="1">
+          <a:blip r:embed="rId3">
+            <a:extLst>
+              <a:ext uri="{28A0092B-C50C-407E-A947-70E740481C1C}">
+                <a14:useLocalDpi xmlns:a14="http://schemas.microsoft.com/office/drawing/2010/main" val="0"/>
+              </a:ext>
+            </a:extLst>
+          </a:blip>
+          <a:srcRect l="17639" t="85381" r="74575" b="1655"/>
+          <a:stretch/>
+        </p:blipFill>
+        <p:spPr>
+          <a:xfrm>
+            <a:off x="4187825" y="3871096"/>
+            <a:ext cx="647700" cy="527168"/>
+          </a:xfrm>
+          <a:prstGeom prst="rect">
+            <a:avLst/>
+          </a:prstGeom>
+        </p:spPr>
+      </p:pic>
+      <p:pic>
+        <p:nvPicPr>
+          <p:cNvPr id="10" name="Picture 9"/>
+          <p:cNvPicPr>
+            <a:picLocks noChangeAspect="1"/>
+          </p:cNvPicPr>
+          <p:nvPr/>
+        </p:nvPicPr>
+        <p:blipFill rotWithShape="1">
+          <a:blip r:embed="rId3">
+            <a:extLst>
+              <a:ext uri="{28A0092B-C50C-407E-A947-70E740481C1C}">
+                <a14:useLocalDpi xmlns:a14="http://schemas.microsoft.com/office/drawing/2010/main" val="0"/>
+              </a:ext>
+            </a:extLst>
+          </a:blip>
+          <a:srcRect l="62709" t="85381" r="31337" b="1655"/>
+          <a:stretch/>
+        </p:blipFill>
+        <p:spPr>
+          <a:xfrm>
+            <a:off x="5168900" y="3871096"/>
+            <a:ext cx="495300" cy="527168"/>
+          </a:xfrm>
+          <a:prstGeom prst="rect">
+            <a:avLst/>
+          </a:prstGeom>
+        </p:spPr>
+      </p:pic>
+      <p:pic>
+        <p:nvPicPr>
+          <p:cNvPr id="11" name="Picture 10"/>
+          <p:cNvPicPr>
+            <a:picLocks noChangeAspect="1"/>
+          </p:cNvPicPr>
+          <p:nvPr/>
+        </p:nvPicPr>
+        <p:blipFill rotWithShape="1">
+          <a:blip r:embed="rId3">
+            <a:extLst>
+              <a:ext uri="{28A0092B-C50C-407E-A947-70E740481C1C}">
+                <a14:useLocalDpi xmlns:a14="http://schemas.microsoft.com/office/drawing/2010/main" val="0"/>
+              </a:ext>
+            </a:extLst>
+          </a:blip>
+          <a:srcRect l="90878" t="85381" r="1611" b="1655"/>
+          <a:stretch/>
+        </p:blipFill>
+        <p:spPr>
+          <a:xfrm>
+            <a:off x="6073140" y="3871096"/>
+            <a:ext cx="624840" cy="527168"/>
+          </a:xfrm>
+          <a:prstGeom prst="rect">
+            <a:avLst/>
+          </a:prstGeom>
+        </p:spPr>
+      </p:pic>
+      <p:pic>
+        <p:nvPicPr>
+          <p:cNvPr id="12" name="Picture 11"/>
+          <p:cNvPicPr>
+            <a:picLocks noChangeAspect="1"/>
+          </p:cNvPicPr>
+          <p:nvPr/>
+        </p:nvPicPr>
+        <p:blipFill rotWithShape="1">
+          <a:blip r:embed="rId3">
+            <a:extLst>
+              <a:ext uri="{28A0092B-C50C-407E-A947-70E740481C1C}">
+                <a14:useLocalDpi xmlns:a14="http://schemas.microsoft.com/office/drawing/2010/main" val="0"/>
+              </a:ext>
+            </a:extLst>
+          </a:blip>
+          <a:srcRect l="69674" t="55657" r="24464" b="31075"/>
+          <a:stretch/>
+        </p:blipFill>
+        <p:spPr>
+          <a:xfrm>
+            <a:off x="7037070" y="3871096"/>
+            <a:ext cx="487680" cy="539496"/>
+          </a:xfrm>
+          <a:prstGeom prst="rect">
+            <a:avLst/>
+          </a:prstGeom>
+        </p:spPr>
+      </p:pic>
+      <p:pic>
+        <p:nvPicPr>
+          <p:cNvPr id="13" name="Picture 12"/>
+          <p:cNvPicPr>
+            <a:picLocks noChangeAspect="1"/>
+          </p:cNvPicPr>
+          <p:nvPr/>
+        </p:nvPicPr>
+        <p:blipFill rotWithShape="1">
+          <a:blip r:embed="rId3">
+            <a:extLst>
+              <a:ext uri="{28A0092B-C50C-407E-A947-70E740481C1C}">
+                <a14:useLocalDpi xmlns:a14="http://schemas.microsoft.com/office/drawing/2010/main" val="0"/>
+              </a:ext>
+            </a:extLst>
+          </a:blip>
+          <a:srcRect l="69674" t="55657" r="24464" b="31075"/>
+          <a:stretch/>
+        </p:blipFill>
+        <p:spPr>
+          <a:xfrm>
+            <a:off x="7995920" y="3871096"/>
+            <a:ext cx="487680" cy="539496"/>
+          </a:xfrm>
+          <a:prstGeom prst="rect">
+            <a:avLst/>
+          </a:prstGeom>
+        </p:spPr>
+      </p:pic>
+      <p:sp>
+        <p:nvSpPr>
+          <p:cNvPr id="14" name="TextBox 13"/>
+          <p:cNvSpPr txBox="1"/>
+          <p:nvPr/>
+        </p:nvSpPr>
+        <p:spPr>
+          <a:xfrm>
+            <a:off x="7792830" y="998220"/>
+            <a:ext cx="1381540" cy="553998"/>
+          </a:xfrm>
+          <a:prstGeom prst="rect">
+            <a:avLst/>
+          </a:prstGeom>
+          <a:noFill/>
+        </p:spPr>
+        <p:txBody>
+          <a:bodyPr wrap="square" rtlCol="0">
+            <a:spAutoFit/>
+          </a:bodyPr>
+          <a:lstStyle/>
+          <a:p>
+            <a:r>
+              <a:rPr lang="en-US" sz="1000" dirty="0" smtClean="0">
+                <a:solidFill>
+                  <a:srgbClr val="FF0000"/>
+                </a:solidFill>
+              </a:rPr>
+              <a:t>TODO shouldn’t extend above max. expendable</a:t>
+            </a:r>
+            <a:endParaRPr lang="en-US" sz="1000" dirty="0">
+              <a:solidFill>
+                <a:srgbClr val="FF0000"/>
+              </a:solidFill>
+            </a:endParaRPr>
+          </a:p>
+        </p:txBody>
+      </p:sp>
+    </p:spTree>
+    <p:extLst>
+      <p:ext uri="{BB962C8B-B14F-4D97-AF65-F5344CB8AC3E}">
+        <p14:creationId xmlns:p14="http://schemas.microsoft.com/office/powerpoint/2010/main" val="3526282669"/>
+      </p:ext>
+    </p:extLst>
+  </p:cSld>
+  <p:clrMapOvr>
+    <a:masterClrMapping/>
+  </p:clrMapOvr>
+  <p:timing>
+    <p:tnLst>
+      <p:par>
+        <p:cTn id="1" dur="indefinite" restart="never" nodeType="tmRoot"/>
+      </p:par>
+    </p:tnLst>
+  </p:timing>
+</p:sld>
+</file>
+
+<file path=ppt/slides/slide31.xml><?xml version="1.0" encoding="utf-8"?>
+<p:sld xmlns:a="http://schemas.openxmlformats.org/drawingml/2006/main" xmlns:r="http://schemas.openxmlformats.org/officeDocument/2006/relationships" xmlns:p="http://schemas.openxmlformats.org/presentationml/2006/main">
+  <p:cSld>
+    <p:spTree>
+      <p:nvGrpSpPr>
+        <p:cNvPr id="1" name=""/>
+        <p:cNvGrpSpPr/>
+        <p:nvPr/>
+      </p:nvGrpSpPr>
+      <p:grpSpPr>
+        <a:xfrm>
+          <a:off x="0" y="0"/>
+          <a:ext cx="0" cy="0"/>
+          <a:chOff x="0" y="0"/>
+          <a:chExt cx="0" cy="0"/>
+        </a:xfrm>
+      </p:grpSpPr>
+      <p:sp>
+        <p:nvSpPr>
           <p:cNvPr id="2" name="Text Placeholder 1"/>
           <p:cNvSpPr>
             <a:spLocks noGrp="1"/>
@@ -30616,7 +31343,7 @@
 </p:sld>
 </file>
 
-<file path=ppt/slides/slide31.xml><?xml version="1.0" encoding="utf-8"?>
+<file path=ppt/slides/slide32.xml><?xml version="1.0" encoding="utf-8"?>
 <p:sld xmlns:a="http://schemas.openxmlformats.org/drawingml/2006/main" xmlns:r="http://schemas.openxmlformats.org/officeDocument/2006/relationships" xmlns:p="http://schemas.openxmlformats.org/presentationml/2006/main">
   <p:cSld>
     <p:spTree>
@@ -30774,7 +31501,7 @@
             <a:fld id="{6447B1C5-369C-4919-B399-6646CD3D5833}" type="slidenum">
               <a:rPr lang="en-US" smtClean="0"/>
               <a:pPr/>
-              <a:t>31</a:t>
+              <a:t>32</a:t>
             </a:fld>
             <a:endParaRPr lang="en-US" dirty="0"/>
           </a:p>
@@ -30825,7 +31552,7 @@
 </p:sld>
 </file>
 
-<file path=ppt/slides/slide32.xml><?xml version="1.0" encoding="utf-8"?>
+<file path=ppt/slides/slide33.xml><?xml version="1.0" encoding="utf-8"?>
 <p:sld xmlns:a="http://schemas.openxmlformats.org/drawingml/2006/main" xmlns:r="http://schemas.openxmlformats.org/officeDocument/2006/relationships" xmlns:p="http://schemas.openxmlformats.org/presentationml/2006/main">
   <p:cSld>
     <p:spTree>
@@ -30924,7 +31651,7 @@
             <a:fld id="{6447B1C5-369C-4919-B399-6646CD3D5833}" type="slidenum">
               <a:rPr lang="en-US" smtClean="0"/>
               <a:pPr/>
-              <a:t>32</a:t>
+              <a:t>33</a:t>
             </a:fld>
             <a:endParaRPr lang="en-US" dirty="0"/>
           </a:p>
@@ -30975,7 +31702,7 @@
 </p:sld>
 </file>
 
-<file path=ppt/slides/slide33.xml><?xml version="1.0" encoding="utf-8"?>
+<file path=ppt/slides/slide34.xml><?xml version="1.0" encoding="utf-8"?>
 <p:sld xmlns:a="http://schemas.openxmlformats.org/drawingml/2006/main" xmlns:r="http://schemas.openxmlformats.org/officeDocument/2006/relationships" xmlns:p="http://schemas.openxmlformats.org/presentationml/2006/main">
   <p:cSld>
     <p:spTree>
@@ -31127,7 +31854,7 @@
             <a:fld id="{6447B1C5-369C-4919-B399-6646CD3D5833}" type="slidenum">
               <a:rPr lang="en-US" smtClean="0"/>
               <a:pPr/>
-              <a:t>33</a:t>
+              <a:t>34</a:t>
             </a:fld>
             <a:endParaRPr lang="en-US" dirty="0"/>
           </a:p>
@@ -31162,96 +31889,6 @@
     <p:extLst>
       <p:ext uri="{BB962C8B-B14F-4D97-AF65-F5344CB8AC3E}">
         <p14:creationId xmlns:p14="http://schemas.microsoft.com/office/powerpoint/2010/main" val="975190604"/>
-      </p:ext>
-    </p:extLst>
-  </p:cSld>
-  <p:clrMapOvr>
-    <a:masterClrMapping/>
-  </p:clrMapOvr>
-  <p:timing>
-    <p:tnLst>
-      <p:par>
-        <p:cTn id="1" dur="indefinite" restart="never" nodeType="tmRoot"/>
-      </p:par>
-    </p:tnLst>
-  </p:timing>
-</p:sld>
-</file>
-
-<file path=ppt/slides/slide34.xml><?xml version="1.0" encoding="utf-8"?>
-<p:sld xmlns:a="http://schemas.openxmlformats.org/drawingml/2006/main" xmlns:r="http://schemas.openxmlformats.org/officeDocument/2006/relationships" xmlns:p="http://schemas.openxmlformats.org/presentationml/2006/main">
-  <p:cSld>
-    <p:spTree>
-      <p:nvGrpSpPr>
-        <p:cNvPr id="1" name=""/>
-        <p:cNvGrpSpPr/>
-        <p:nvPr/>
-      </p:nvGrpSpPr>
-      <p:grpSpPr>
-        <a:xfrm>
-          <a:off x="0" y="0"/>
-          <a:ext cx="0" cy="0"/>
-          <a:chOff x="0" y="0"/>
-          <a:chExt cx="0" cy="0"/>
-        </a:xfrm>
-      </p:grpSpPr>
-      <p:sp>
-        <p:nvSpPr>
-          <p:cNvPr id="2" name="Text Placeholder 1"/>
-          <p:cNvSpPr>
-            <a:spLocks noGrp="1"/>
-          </p:cNvSpPr>
-          <p:nvPr>
-            <p:ph type="body" idx="1"/>
-          </p:nvPr>
-        </p:nvSpPr>
-        <p:spPr/>
-        <p:txBody>
-          <a:bodyPr/>
-          <a:lstStyle/>
-          <a:p>
-            <a:r>
-              <a:rPr lang="en-US" dirty="0" smtClean="0"/>
-              <a:t>Scope and Motivation</a:t>
-            </a:r>
-          </a:p>
-          <a:p>
-            <a:r>
-              <a:rPr lang="en-US" dirty="0" smtClean="0"/>
-              <a:t>Recovery Strategies</a:t>
-            </a:r>
-          </a:p>
-          <a:p>
-            <a:r>
-              <a:rPr lang="en-US" dirty="0" smtClean="0"/>
-              <a:t>Performance Model</a:t>
-            </a:r>
-          </a:p>
-          <a:p>
-            <a:r>
-              <a:rPr lang="en-US" dirty="0" smtClean="0"/>
-              <a:t>Cost Model</a:t>
-            </a:r>
-          </a:p>
-          <a:p>
-            <a:r>
-              <a:rPr lang="en-US" dirty="0" smtClean="0">
-                <a:solidFill>
-                  <a:schemeClr val="tx1"/>
-                </a:solidFill>
-              </a:rPr>
-              <a:t>Tradeoffs &amp; Comparisons</a:t>
-            </a:r>
-          </a:p>
-          <a:p>
-            <a:endParaRPr lang="en-US" dirty="0"/>
-          </a:p>
-        </p:txBody>
-      </p:sp>
-    </p:spTree>
-    <p:extLst>
-      <p:ext uri="{BB962C8B-B14F-4D97-AF65-F5344CB8AC3E}">
-        <p14:creationId xmlns:p14="http://schemas.microsoft.com/office/powerpoint/2010/main" val="2749853533"/>
       </p:ext>
     </p:extLst>
   </p:cSld>
@@ -31287,12 +31924,12 @@
       </p:grpSpPr>
       <p:sp>
         <p:nvSpPr>
-          <p:cNvPr id="2" name="Title 1"/>
+          <p:cNvPr id="2" name="Text Placeholder 1"/>
           <p:cNvSpPr>
             <a:spLocks noGrp="1"/>
           </p:cNvSpPr>
           <p:nvPr>
-            <p:ph type="title"/>
+            <p:ph type="body" idx="1"/>
           </p:nvPr>
         </p:nvSpPr>
         <p:spPr/>
@@ -31302,111 +31939,38 @@
           <a:p>
             <a:r>
               <a:rPr lang="en-US" dirty="0" smtClean="0"/>
-              <a:t>Performance sensitivity/sweeps</a:t>
-            </a:r>
-            <a:endParaRPr lang="en-US" dirty="0"/>
-          </a:p>
-        </p:txBody>
-      </p:sp>
-      <p:sp>
-        <p:nvSpPr>
-          <p:cNvPr id="4" name="Slide Number Placeholder 3"/>
-          <p:cNvSpPr>
-            <a:spLocks noGrp="1"/>
-          </p:cNvSpPr>
-          <p:nvPr>
-            <p:ph type="sldNum" sz="quarter" idx="12"/>
-          </p:nvPr>
-        </p:nvSpPr>
-        <p:spPr/>
-        <p:txBody>
-          <a:bodyPr/>
-          <a:lstStyle/>
-          <a:p>
-            <a:fld id="{6447B1C5-369C-4919-B399-6646CD3D5833}" type="slidenum">
-              <a:rPr lang="en-US" smtClean="0"/>
-              <a:pPr/>
-              <a:t>35</a:t>
-            </a:fld>
-            <a:endParaRPr lang="en-US" dirty="0"/>
-          </a:p>
-        </p:txBody>
-      </p:sp>
-      <p:sp>
-        <p:nvSpPr>
-          <p:cNvPr id="5" name="Text Placeholder 4"/>
-          <p:cNvSpPr>
-            <a:spLocks noGrp="1"/>
-          </p:cNvSpPr>
-          <p:nvPr>
-            <p:ph type="body" sz="quarter" idx="13"/>
-          </p:nvPr>
-        </p:nvSpPr>
-        <p:spPr/>
-        <p:txBody>
-          <a:bodyPr/>
-          <a:lstStyle/>
-          <a:p>
-            <a:endParaRPr lang="en-US"/>
-          </a:p>
-        </p:txBody>
-      </p:sp>
-      <p:pic>
-        <p:nvPicPr>
-          <p:cNvPr id="6" name="Picture 5"/>
-          <p:cNvPicPr>
-            <a:picLocks noChangeAspect="1"/>
-          </p:cNvPicPr>
-          <p:nvPr/>
-        </p:nvPicPr>
-        <p:blipFill>
-          <a:blip r:embed="rId2">
-            <a:extLst>
-              <a:ext uri="{28A0092B-C50C-407E-A947-70E740481C1C}">
-                <a14:useLocalDpi xmlns:a14="http://schemas.microsoft.com/office/drawing/2010/main" val="0"/>
-              </a:ext>
-            </a:extLst>
-          </a:blip>
-          <a:stretch>
-            <a:fillRect/>
-          </a:stretch>
-        </p:blipFill>
-        <p:spPr>
-          <a:xfrm>
-            <a:off x="1395248" y="1124793"/>
-            <a:ext cx="6463869" cy="4847902"/>
-          </a:xfrm>
-          <a:prstGeom prst="rect">
-            <a:avLst/>
-          </a:prstGeom>
-        </p:spPr>
-      </p:pic>
-      <p:sp>
-        <p:nvSpPr>
-          <p:cNvPr id="7" name="TextBox 6"/>
-          <p:cNvSpPr txBox="1"/>
-          <p:nvPr/>
-        </p:nvSpPr>
-        <p:spPr>
-          <a:xfrm>
-            <a:off x="7070835" y="5494282"/>
-            <a:ext cx="1805559" cy="369332"/>
-          </a:xfrm>
-          <a:prstGeom prst="rect">
-            <a:avLst/>
-          </a:prstGeom>
-          <a:noFill/>
-        </p:spPr>
-        <p:txBody>
-          <a:bodyPr wrap="none" rtlCol="0">
-            <a:spAutoFit/>
-          </a:bodyPr>
-          <a:lstStyle/>
+              <a:t>Scope and Motivation</a:t>
+            </a:r>
+          </a:p>
           <a:p>
             <a:r>
               <a:rPr lang="en-US" dirty="0" smtClean="0"/>
-              <a:t>TODO: methane?</a:t>
-            </a:r>
+              <a:t>Recovery Strategies</a:t>
+            </a:r>
+          </a:p>
+          <a:p>
+            <a:r>
+              <a:rPr lang="en-US" dirty="0" smtClean="0"/>
+              <a:t>Performance Model</a:t>
+            </a:r>
+          </a:p>
+          <a:p>
+            <a:r>
+              <a:rPr lang="en-US" dirty="0" smtClean="0"/>
+              <a:t>Cost Model</a:t>
+            </a:r>
+          </a:p>
+          <a:p>
+            <a:r>
+              <a:rPr lang="en-US" dirty="0" smtClean="0">
+                <a:solidFill>
+                  <a:schemeClr val="tx1"/>
+                </a:solidFill>
+              </a:rPr>
+              <a:t>Tradeoffs &amp; Comparisons</a:t>
+            </a:r>
+          </a:p>
+          <a:p>
             <a:endParaRPr lang="en-US" dirty="0"/>
           </a:p>
         </p:txBody>
@@ -31414,7 +31978,7 @@
     </p:spTree>
     <p:extLst>
       <p:ext uri="{BB962C8B-B14F-4D97-AF65-F5344CB8AC3E}">
-        <p14:creationId xmlns:p14="http://schemas.microsoft.com/office/powerpoint/2010/main" val="676146054"/>
+        <p14:creationId xmlns:p14="http://schemas.microsoft.com/office/powerpoint/2010/main" val="2749853533"/>
       </p:ext>
     </p:extLst>
   </p:cSld>
@@ -31465,52 +32029,7 @@
           <a:p>
             <a:r>
               <a:rPr lang="en-US" dirty="0" smtClean="0"/>
-              <a:t>Schedule and launch rate considerations</a:t>
-            </a:r>
-            <a:endParaRPr lang="en-US" dirty="0"/>
-          </a:p>
-        </p:txBody>
-      </p:sp>
-      <p:sp>
-        <p:nvSpPr>
-          <p:cNvPr id="3" name="Content Placeholder 2"/>
-          <p:cNvSpPr>
-            <a:spLocks noGrp="1"/>
-          </p:cNvSpPr>
-          <p:nvPr>
-            <p:ph idx="1"/>
-          </p:nvPr>
-        </p:nvSpPr>
-        <p:spPr/>
-        <p:txBody>
-          <a:bodyPr/>
-          <a:lstStyle/>
-          <a:p>
-            <a:r>
-              <a:rPr lang="en-US" dirty="0" smtClean="0"/>
-              <a:t>TODO</a:t>
-            </a:r>
-          </a:p>
-          <a:p>
-            <a:r>
-              <a:rPr lang="en-US" dirty="0"/>
-              <a:t>Schedule and ops are a key point: reuse may enable higher launch rate with same </a:t>
-            </a:r>
-            <a:r>
-              <a:rPr lang="en-US" dirty="0" smtClean="0"/>
-              <a:t>workforce</a:t>
-            </a:r>
-          </a:p>
-          <a:p>
-            <a:r>
-              <a:rPr lang="en-US" dirty="0" smtClean="0"/>
-              <a:t>Effect of downrange vs. launch site recovery on schedule &amp; fleet size</a:t>
-            </a:r>
-          </a:p>
-          <a:p>
-            <a:r>
-              <a:rPr lang="en-US" dirty="0" smtClean="0"/>
-              <a:t>Effect of partial recovery re-integration on schedule</a:t>
+              <a:t>Performance sensitivity/sweeps</a:t>
             </a:r>
             <a:endParaRPr lang="en-US" dirty="0"/>
           </a:p>
@@ -31559,10 +32078,70 @@
           </a:p>
         </p:txBody>
       </p:sp>
+      <p:pic>
+        <p:nvPicPr>
+          <p:cNvPr id="6" name="Picture 5"/>
+          <p:cNvPicPr>
+            <a:picLocks noChangeAspect="1"/>
+          </p:cNvPicPr>
+          <p:nvPr/>
+        </p:nvPicPr>
+        <p:blipFill>
+          <a:blip r:embed="rId2">
+            <a:extLst>
+              <a:ext uri="{28A0092B-C50C-407E-A947-70E740481C1C}">
+                <a14:useLocalDpi xmlns:a14="http://schemas.microsoft.com/office/drawing/2010/main" val="0"/>
+              </a:ext>
+            </a:extLst>
+          </a:blip>
+          <a:stretch>
+            <a:fillRect/>
+          </a:stretch>
+        </p:blipFill>
+        <p:spPr>
+          <a:xfrm>
+            <a:off x="1395248" y="1124793"/>
+            <a:ext cx="6463869" cy="4847902"/>
+          </a:xfrm>
+          <a:prstGeom prst="rect">
+            <a:avLst/>
+          </a:prstGeom>
+        </p:spPr>
+      </p:pic>
+      <p:sp>
+        <p:nvSpPr>
+          <p:cNvPr id="7" name="TextBox 6"/>
+          <p:cNvSpPr txBox="1"/>
+          <p:nvPr/>
+        </p:nvSpPr>
+        <p:spPr>
+          <a:xfrm>
+            <a:off x="7070835" y="5494282"/>
+            <a:ext cx="1805559" cy="369332"/>
+          </a:xfrm>
+          <a:prstGeom prst="rect">
+            <a:avLst/>
+          </a:prstGeom>
+          <a:noFill/>
+        </p:spPr>
+        <p:txBody>
+          <a:bodyPr wrap="none" rtlCol="0">
+            <a:spAutoFit/>
+          </a:bodyPr>
+          <a:lstStyle/>
+          <a:p>
+            <a:r>
+              <a:rPr lang="en-US" dirty="0" smtClean="0"/>
+              <a:t>TODO: methane?</a:t>
+            </a:r>
+            <a:endParaRPr lang="en-US" dirty="0"/>
+          </a:p>
+        </p:txBody>
+      </p:sp>
     </p:spTree>
     <p:extLst>
       <p:ext uri="{BB962C8B-B14F-4D97-AF65-F5344CB8AC3E}">
-        <p14:creationId xmlns:p14="http://schemas.microsoft.com/office/powerpoint/2010/main" val="2716718958"/>
+        <p14:creationId xmlns:p14="http://schemas.microsoft.com/office/powerpoint/2010/main" val="676146054"/>
       </p:ext>
     </p:extLst>
   </p:cSld>
@@ -31613,7 +32192,7 @@
           <a:p>
             <a:r>
               <a:rPr lang="en-US" dirty="0" smtClean="0"/>
-              <a:t>Mission/market sensitivities</a:t>
+              <a:t>Schedule and launch rate considerations</a:t>
             </a:r>
             <a:endParaRPr lang="en-US" dirty="0"/>
           </a:p>
@@ -31641,78 +32220,24 @@
           </a:p>
           <a:p>
             <a:r>
+              <a:rPr lang="en-US" dirty="0"/>
+              <a:t>Schedule and ops are a key point: reuse may enable higher launch rate with same </a:t>
+            </a:r>
+            <a:r>
               <a:rPr lang="en-US" dirty="0" smtClean="0"/>
-              <a:t>Market </a:t>
-            </a:r>
-            <a:r>
-              <a:rPr lang="en-US" dirty="0"/>
-              <a:t>may soon support high launch rates to </a:t>
-            </a:r>
+              <a:t>workforce</a:t>
+            </a:r>
+          </a:p>
+          <a:p>
             <a:r>
               <a:rPr lang="en-US" dirty="0" smtClean="0"/>
-              <a:t>LEO </a:t>
-            </a:r>
-            <a:r>
-              <a:rPr lang="en-US" dirty="0"/>
-              <a:t>due to proposed constellations, </a:t>
-            </a:r>
-            <a:r>
-              <a:rPr lang="en-US" dirty="0" err="1"/>
-              <a:t>eg</a:t>
-            </a:r>
-            <a:r>
-              <a:rPr lang="en-US" dirty="0"/>
-              <a:t> </a:t>
-            </a:r>
-            <a:r>
-              <a:rPr lang="en-US" dirty="0" err="1"/>
-              <a:t>starlink</a:t>
-            </a:r>
-            <a:r>
-              <a:rPr lang="en-US" dirty="0"/>
-              <a:t>, </a:t>
-            </a:r>
-            <a:r>
-              <a:rPr lang="en-US" dirty="0" err="1"/>
-              <a:t>oneweb</a:t>
-            </a:r>
-            <a:r>
-              <a:rPr lang="en-US" dirty="0"/>
-              <a:t>, DARPA </a:t>
-            </a:r>
+              <a:t>Effect of downrange vs. launch site recovery on schedule &amp; fleet size</a:t>
+            </a:r>
+          </a:p>
+          <a:p>
             <a:r>
               <a:rPr lang="en-US" dirty="0" smtClean="0"/>
-              <a:t>blackjack</a:t>
-            </a:r>
-          </a:p>
-          <a:p>
-            <a:pPr lvl="1"/>
-            <a:r>
-              <a:rPr lang="en-US" dirty="0" smtClean="0"/>
-              <a:t>Reuse from LEO mission easier than from GTO</a:t>
-            </a:r>
-          </a:p>
-          <a:p>
-            <a:pPr lvl="1"/>
-            <a:r>
-              <a:rPr lang="en-US" dirty="0" smtClean="0"/>
-              <a:t>Constellation customers may be more tolerant of launch risk than expensive monolithic satellite customers</a:t>
-            </a:r>
-          </a:p>
-          <a:p>
-            <a:endParaRPr lang="en-US" dirty="0"/>
-          </a:p>
-          <a:p>
-            <a:r>
-              <a:rPr lang="en-US" dirty="0" smtClean="0"/>
-              <a:t>Small sat launchers</a:t>
-            </a:r>
-          </a:p>
-          <a:p>
-            <a:pPr lvl="1"/>
-            <a:r>
-              <a:rPr lang="en-US" dirty="0" smtClean="0"/>
-              <a:t>Hardware smaller fraction of total cost</a:t>
+              <a:t>Effect of partial recovery re-integration on schedule</a:t>
             </a:r>
             <a:endParaRPr lang="en-US" dirty="0"/>
           </a:p>
@@ -31737,6 +32262,208 @@
               <a:rPr lang="en-US" smtClean="0"/>
               <a:pPr/>
               <a:t>37</a:t>
+            </a:fld>
+            <a:endParaRPr lang="en-US" dirty="0"/>
+          </a:p>
+        </p:txBody>
+      </p:sp>
+      <p:sp>
+        <p:nvSpPr>
+          <p:cNvPr id="5" name="Text Placeholder 4"/>
+          <p:cNvSpPr>
+            <a:spLocks noGrp="1"/>
+          </p:cNvSpPr>
+          <p:nvPr>
+            <p:ph type="body" sz="quarter" idx="13"/>
+          </p:nvPr>
+        </p:nvSpPr>
+        <p:spPr/>
+        <p:txBody>
+          <a:bodyPr/>
+          <a:lstStyle/>
+          <a:p>
+            <a:endParaRPr lang="en-US"/>
+          </a:p>
+        </p:txBody>
+      </p:sp>
+    </p:spTree>
+    <p:extLst>
+      <p:ext uri="{BB962C8B-B14F-4D97-AF65-F5344CB8AC3E}">
+        <p14:creationId xmlns:p14="http://schemas.microsoft.com/office/powerpoint/2010/main" val="2716718958"/>
+      </p:ext>
+    </p:extLst>
+  </p:cSld>
+  <p:clrMapOvr>
+    <a:masterClrMapping/>
+  </p:clrMapOvr>
+  <p:timing>
+    <p:tnLst>
+      <p:par>
+        <p:cTn id="1" dur="indefinite" restart="never" nodeType="tmRoot"/>
+      </p:par>
+    </p:tnLst>
+  </p:timing>
+</p:sld>
+</file>
+
+<file path=ppt/slides/slide38.xml><?xml version="1.0" encoding="utf-8"?>
+<p:sld xmlns:a="http://schemas.openxmlformats.org/drawingml/2006/main" xmlns:r="http://schemas.openxmlformats.org/officeDocument/2006/relationships" xmlns:p="http://schemas.openxmlformats.org/presentationml/2006/main">
+  <p:cSld>
+    <p:spTree>
+      <p:nvGrpSpPr>
+        <p:cNvPr id="1" name=""/>
+        <p:cNvGrpSpPr/>
+        <p:nvPr/>
+      </p:nvGrpSpPr>
+      <p:grpSpPr>
+        <a:xfrm>
+          <a:off x="0" y="0"/>
+          <a:ext cx="0" cy="0"/>
+          <a:chOff x="0" y="0"/>
+          <a:chExt cx="0" cy="0"/>
+        </a:xfrm>
+      </p:grpSpPr>
+      <p:sp>
+        <p:nvSpPr>
+          <p:cNvPr id="2" name="Title 1"/>
+          <p:cNvSpPr>
+            <a:spLocks noGrp="1"/>
+          </p:cNvSpPr>
+          <p:nvPr>
+            <p:ph type="title"/>
+          </p:nvPr>
+        </p:nvSpPr>
+        <p:spPr/>
+        <p:txBody>
+          <a:bodyPr/>
+          <a:lstStyle/>
+          <a:p>
+            <a:r>
+              <a:rPr lang="en-US" dirty="0" smtClean="0"/>
+              <a:t>Mission/market sensitivities</a:t>
+            </a:r>
+            <a:endParaRPr lang="en-US" dirty="0"/>
+          </a:p>
+        </p:txBody>
+      </p:sp>
+      <p:sp>
+        <p:nvSpPr>
+          <p:cNvPr id="3" name="Content Placeholder 2"/>
+          <p:cNvSpPr>
+            <a:spLocks noGrp="1"/>
+          </p:cNvSpPr>
+          <p:nvPr>
+            <p:ph idx="1"/>
+          </p:nvPr>
+        </p:nvSpPr>
+        <p:spPr/>
+        <p:txBody>
+          <a:bodyPr/>
+          <a:lstStyle/>
+          <a:p>
+            <a:r>
+              <a:rPr lang="en-US" dirty="0" smtClean="0"/>
+              <a:t>TODO</a:t>
+            </a:r>
+          </a:p>
+          <a:p>
+            <a:r>
+              <a:rPr lang="en-US" dirty="0" smtClean="0"/>
+              <a:t>Market </a:t>
+            </a:r>
+            <a:r>
+              <a:rPr lang="en-US" dirty="0"/>
+              <a:t>may soon support high launch rates to </a:t>
+            </a:r>
+            <a:r>
+              <a:rPr lang="en-US" dirty="0" smtClean="0"/>
+              <a:t>LEO </a:t>
+            </a:r>
+            <a:r>
+              <a:rPr lang="en-US" dirty="0"/>
+              <a:t>due to proposed constellations, </a:t>
+            </a:r>
+            <a:r>
+              <a:rPr lang="en-US" dirty="0" err="1"/>
+              <a:t>eg</a:t>
+            </a:r>
+            <a:r>
+              <a:rPr lang="en-US" dirty="0"/>
+              <a:t> </a:t>
+            </a:r>
+            <a:r>
+              <a:rPr lang="en-US" dirty="0" err="1"/>
+              <a:t>starlink</a:t>
+            </a:r>
+            <a:r>
+              <a:rPr lang="en-US" dirty="0"/>
+              <a:t>, </a:t>
+            </a:r>
+            <a:r>
+              <a:rPr lang="en-US" dirty="0" err="1"/>
+              <a:t>oneweb</a:t>
+            </a:r>
+            <a:r>
+              <a:rPr lang="en-US" dirty="0"/>
+              <a:t>, DARPA </a:t>
+            </a:r>
+            <a:r>
+              <a:rPr lang="en-US" dirty="0" smtClean="0"/>
+              <a:t>blackjack</a:t>
+            </a:r>
+          </a:p>
+          <a:p>
+            <a:pPr lvl="1"/>
+            <a:r>
+              <a:rPr lang="en-US" dirty="0" smtClean="0"/>
+              <a:t>Reuse from LEO mission easier than from GTO</a:t>
+            </a:r>
+          </a:p>
+          <a:p>
+            <a:pPr lvl="1"/>
+            <a:r>
+              <a:rPr lang="en-US" dirty="0" smtClean="0"/>
+              <a:t>Constellation customers may be more tolerant of launch risk than expensive monolithic satellite customers</a:t>
+            </a:r>
+          </a:p>
+          <a:p>
+            <a:endParaRPr lang="en-US" dirty="0"/>
+          </a:p>
+          <a:p>
+            <a:r>
+              <a:rPr lang="en-US" dirty="0" smtClean="0"/>
+              <a:t>Small sat launchers</a:t>
+            </a:r>
+          </a:p>
+          <a:p>
+            <a:pPr lvl="1"/>
+            <a:r>
+              <a:rPr lang="en-US" dirty="0" smtClean="0"/>
+              <a:t>Hardware smaller fraction of total cost</a:t>
+            </a:r>
+            <a:endParaRPr lang="en-US" dirty="0"/>
+          </a:p>
+        </p:txBody>
+      </p:sp>
+      <p:sp>
+        <p:nvSpPr>
+          <p:cNvPr id="4" name="Slide Number Placeholder 3"/>
+          <p:cNvSpPr>
+            <a:spLocks noGrp="1"/>
+          </p:cNvSpPr>
+          <p:nvPr>
+            <p:ph type="sldNum" sz="quarter" idx="12"/>
+          </p:nvPr>
+        </p:nvSpPr>
+        <p:spPr/>
+        <p:txBody>
+          <a:bodyPr/>
+          <a:lstStyle/>
+          <a:p>
+            <a:fld id="{6447B1C5-369C-4919-B399-6646CD3D5833}" type="slidenum">
+              <a:rPr lang="en-US" smtClean="0"/>
+              <a:pPr/>
+              <a:t>38</a:t>
             </a:fld>
             <a:endParaRPr lang="en-US" dirty="0"/>
           </a:p>
